--- a/apresentacoes/foco-produtividade/aula-04-foco-direcionado.pptx
+++ b/apresentacoes/foco-produtividade/aula-04-foco-direcionado.pptx
@@ -1286,62 +1286,6 @@
 </p:sldLayout>
 </file>
 
-<file path=ppt/slideLayouts/slideLayout2.xml><?xml version="1.0" encoding="utf-8"?>
-<p:sldLayout xmlns:a="http://schemas.openxmlformats.org/drawingml/2006/main" xmlns:r="http://schemas.openxmlformats.org/officeDocument/2006/relationships" xmlns:p="http://schemas.openxmlformats.org/presentationml/2006/main" preserve="1">
-  <p:cSld name="MASTER">
-    <p:bg>
-      <p:bgPr>
-        <a:solidFill>
-          <a:srgbClr val="1A1A2E"/>
-        </a:solidFill>
-      </p:bgPr>
-    </p:bg>
-    <p:spTree>
-      <p:nvGrpSpPr>
-        <p:cNvPr id="1" name=""/>
-        <p:cNvGrpSpPr/>
-        <p:nvPr/>
-      </p:nvGrpSpPr>
-      <p:grpSpPr>
-        <a:xfrm>
-          <a:off x="0" y="0"/>
-          <a:ext cx="0" cy="0"/>
-          <a:chOff x="0" y="0"/>
-          <a:chExt cx="0" cy="0"/>
-        </a:xfrm>
-      </p:grpSpPr>
-      <p:pic>
-        <p:nvPicPr>
-          <p:cNvPr id="2" name="Image 0" descr="preencoded.png">    </p:cNvPr>
-          <p:cNvPicPr>
-            <a:picLocks noChangeAspect="1"/>
-          </p:cNvPicPr>
-          <p:nvPr/>
-        </p:nvPicPr>
-        <p:blipFill>
-          <a:blip r:embed="rId1"/>
-          <a:stretch>
-            <a:fillRect/>
-          </a:stretch>
-        </p:blipFill>
-        <p:spPr>
-          <a:xfrm>
-            <a:off x="274320" y="182880"/>
-            <a:ext cx="1097280" cy="457200"/>
-          </a:xfrm>
-          <a:prstGeom prst="rect">
-            <a:avLst/>
-          </a:prstGeom>
-        </p:spPr>
-      </p:pic>
-    </p:spTree>
-  </p:cSld>
-  <p:clrMapOvr>
-    <a:masterClrMapping/>
-  </p:clrMapOvr>
-</p:sldLayout>
-</file>
-
 <file path=ppt/slideMasters/slideMaster1.xml><?xml version="1.0" encoding="utf-8"?>
 <p:sldMaster xmlns:a="http://schemas.openxmlformats.org/drawingml/2006/main" xmlns:r="http://schemas.openxmlformats.org/officeDocument/2006/relationships" xmlns:p="http://schemas.openxmlformats.org/presentationml/2006/main">
   <p:cSld>
@@ -1364,7 +1308,6 @@
   <p:clrMap bg1="lt1" tx1="dk1" bg2="lt2" tx2="dk2" accent1="accent1" accent2="accent2" accent3="accent3" accent4="accent4" accent5="accent5" accent6="accent6" hlink="hlink" folHlink="folHlink"/>
   <p:sldLayoutIdLst>
     <p:sldLayoutId id="2147483649" r:id="rId1"/>
-    <p:sldLayoutId id="2147483650" r:id="rId2"/>
   </p:sldLayoutIdLst>
   <p:hf sldNum="0" hdr="0" ftr="0" dt="0"/>
   <p:txStyles>
@@ -1623,6 +1566,13 @@
 <file path=ppt/slides/slide1.xml><?xml version="1.0" encoding="utf-8"?>
 <p:sld xmlns:a="http://schemas.openxmlformats.org/drawingml/2006/main" xmlns:r="http://schemas.openxmlformats.org/officeDocument/2006/relationships" xmlns:p="http://schemas.openxmlformats.org/presentationml/2006/main">
   <p:cSld name="Slide 1">
+    <p:bg>
+      <p:bgPr>
+        <a:solidFill>
+          <a:srgbClr val="1A1A2E"/>
+        </a:solidFill>
+      </p:bgPr>
+    </p:bg>
     <p:spTree>
       <p:nvGrpSpPr>
         <p:cNvPr id="1" name=""/>
@@ -1637,9 +1587,33 @@
           <a:chExt cx="0" cy="0"/>
         </a:xfrm>
       </p:grpSpPr>
-      <p:sp>
-        <p:nvSpPr>
-          <p:cNvPr id="2" name="Shape 0"/>
+      <p:pic>
+        <p:nvPicPr>
+          <p:cNvPr id="2" name="Image 0" descr="preencoded.png">    </p:cNvPr>
+          <p:cNvPicPr>
+            <a:picLocks noChangeAspect="1"/>
+          </p:cNvPicPr>
+          <p:nvPr/>
+        </p:nvPicPr>
+        <p:blipFill>
+          <a:blip r:embed="rId1"/>
+          <a:stretch>
+            <a:fillRect/>
+          </a:stretch>
+        </p:blipFill>
+        <p:spPr>
+          <a:xfrm>
+            <a:off x="274320" y="137160"/>
+            <a:ext cx="1097280" cy="457200"/>
+          </a:xfrm>
+          <a:prstGeom prst="rect">
+            <a:avLst/>
+          </a:prstGeom>
+        </p:spPr>
+      </p:pic>
+      <p:sp>
+        <p:nvSpPr>
+          <p:cNvPr id="3" name="Shape 0"/>
           <p:cNvSpPr/>
           <p:nvPr/>
         </p:nvSpPr>
@@ -1659,7 +1633,7 @@
       </p:sp>
       <p:sp>
         <p:nvSpPr>
-          <p:cNvPr id="3" name="Text 1"/>
+          <p:cNvPr id="4" name="Text 1"/>
           <p:cNvSpPr/>
           <p:nvPr/>
         </p:nvSpPr>
@@ -1698,7 +1672,7 @@
       </p:sp>
       <p:sp>
         <p:nvSpPr>
-          <p:cNvPr id="4" name="Text 2"/>
+          <p:cNvPr id="5" name="Text 2"/>
           <p:cNvSpPr/>
           <p:nvPr/>
         </p:nvSpPr>
@@ -1737,7 +1711,7 @@
       </p:sp>
       <p:sp>
         <p:nvSpPr>
-          <p:cNvPr id="5" name="Text 3"/>
+          <p:cNvPr id="6" name="Text 3"/>
           <p:cNvSpPr/>
           <p:nvPr/>
         </p:nvSpPr>
@@ -1776,7 +1750,7 @@
       </p:sp>
       <p:sp>
         <p:nvSpPr>
-          <p:cNvPr id="6" name="Text 4"/>
+          <p:cNvPr id="7" name="Text 4"/>
           <p:cNvSpPr/>
           <p:nvPr/>
         </p:nvSpPr>
@@ -1815,7 +1789,7 @@
       </p:sp>
       <p:sp>
         <p:nvSpPr>
-          <p:cNvPr id="7" name="Shape 5"/>
+          <p:cNvPr id="8" name="Shape 5"/>
           <p:cNvSpPr/>
           <p:nvPr/>
         </p:nvSpPr>
@@ -1844,6 +1818,13 @@
 <file path=ppt/slides/slide2.xml><?xml version="1.0" encoding="utf-8"?>
 <p:sld xmlns:a="http://schemas.openxmlformats.org/drawingml/2006/main" xmlns:r="http://schemas.openxmlformats.org/officeDocument/2006/relationships" xmlns:p="http://schemas.openxmlformats.org/presentationml/2006/main">
   <p:cSld name="Slide 2">
+    <p:bg>
+      <p:bgPr>
+        <a:solidFill>
+          <a:srgbClr val="1A1A2E"/>
+        </a:solidFill>
+      </p:bgPr>
+    </p:bg>
     <p:spTree>
       <p:nvGrpSpPr>
         <p:cNvPr id="1" name=""/>
@@ -1858,9 +1839,33 @@
           <a:chExt cx="0" cy="0"/>
         </a:xfrm>
       </p:grpSpPr>
-      <p:sp>
-        <p:nvSpPr>
-          <p:cNvPr id="2" name="Shape 0"/>
+      <p:pic>
+        <p:nvPicPr>
+          <p:cNvPr id="2" name="Image 0" descr="preencoded.png">    </p:cNvPr>
+          <p:cNvPicPr>
+            <a:picLocks noChangeAspect="1"/>
+          </p:cNvPicPr>
+          <p:nvPr/>
+        </p:nvPicPr>
+        <p:blipFill>
+          <a:blip r:embed="rId1"/>
+          <a:stretch>
+            <a:fillRect/>
+          </a:stretch>
+        </p:blipFill>
+        <p:spPr>
+          <a:xfrm>
+            <a:off x="274320" y="137160"/>
+            <a:ext cx="1097280" cy="457200"/>
+          </a:xfrm>
+          <a:prstGeom prst="rect">
+            <a:avLst/>
+          </a:prstGeom>
+        </p:spPr>
+      </p:pic>
+      <p:sp>
+        <p:nvSpPr>
+          <p:cNvPr id="3" name="Shape 0"/>
           <p:cNvSpPr/>
           <p:nvPr/>
         </p:nvSpPr>
@@ -1880,7 +1885,7 @@
       </p:sp>
       <p:sp>
         <p:nvSpPr>
-          <p:cNvPr id="3" name="Text 1"/>
+          <p:cNvPr id="4" name="Text 1"/>
           <p:cNvSpPr/>
           <p:nvPr/>
         </p:nvSpPr>
@@ -1919,7 +1924,7 @@
       </p:sp>
       <p:sp>
         <p:nvSpPr>
-          <p:cNvPr id="4" name="Text 2"/>
+          <p:cNvPr id="5" name="Text 2"/>
           <p:cNvSpPr/>
           <p:nvPr/>
         </p:nvSpPr>
@@ -1960,7 +1965,7 @@
       </p:sp>
       <p:sp>
         <p:nvSpPr>
-          <p:cNvPr id="5" name="Text 3"/>
+          <p:cNvPr id="6" name="Text 3"/>
           <p:cNvSpPr/>
           <p:nvPr/>
         </p:nvSpPr>
@@ -1999,7 +2004,7 @@
       </p:sp>
       <p:sp>
         <p:nvSpPr>
-          <p:cNvPr id="6" name="Text 4"/>
+          <p:cNvPr id="7" name="Text 4"/>
           <p:cNvSpPr/>
           <p:nvPr/>
         </p:nvSpPr>
@@ -2040,7 +2045,7 @@
       </p:sp>
       <p:sp>
         <p:nvSpPr>
-          <p:cNvPr id="7" name="Text 5"/>
+          <p:cNvPr id="8" name="Text 5"/>
           <p:cNvSpPr/>
           <p:nvPr/>
         </p:nvSpPr>
@@ -2079,7 +2084,7 @@
       </p:sp>
       <p:sp>
         <p:nvSpPr>
-          <p:cNvPr id="8" name="Text 6"/>
+          <p:cNvPr id="9" name="Text 6"/>
           <p:cNvSpPr/>
           <p:nvPr/>
         </p:nvSpPr>
@@ -2120,7 +2125,7 @@
       </p:sp>
       <p:sp>
         <p:nvSpPr>
-          <p:cNvPr id="9" name="Text 7"/>
+          <p:cNvPr id="10" name="Text 7"/>
           <p:cNvSpPr/>
           <p:nvPr/>
         </p:nvSpPr>
@@ -2168,6 +2173,13 @@
 <file path=ppt/slides/slide3.xml><?xml version="1.0" encoding="utf-8"?>
 <p:sld xmlns:a="http://schemas.openxmlformats.org/drawingml/2006/main" xmlns:r="http://schemas.openxmlformats.org/officeDocument/2006/relationships" xmlns:p="http://schemas.openxmlformats.org/presentationml/2006/main">
   <p:cSld name="Slide 3">
+    <p:bg>
+      <p:bgPr>
+        <a:solidFill>
+          <a:srgbClr val="1A1A2E"/>
+        </a:solidFill>
+      </p:bgPr>
+    </p:bg>
     <p:spTree>
       <p:nvGrpSpPr>
         <p:cNvPr id="1" name=""/>
@@ -2182,9 +2194,33 @@
           <a:chExt cx="0" cy="0"/>
         </a:xfrm>
       </p:grpSpPr>
-      <p:sp>
-        <p:nvSpPr>
-          <p:cNvPr id="2" name="Shape 0"/>
+      <p:pic>
+        <p:nvPicPr>
+          <p:cNvPr id="2" name="Image 0" descr="preencoded.png">    </p:cNvPr>
+          <p:cNvPicPr>
+            <a:picLocks noChangeAspect="1"/>
+          </p:cNvPicPr>
+          <p:nvPr/>
+        </p:nvPicPr>
+        <p:blipFill>
+          <a:blip r:embed="rId1"/>
+          <a:stretch>
+            <a:fillRect/>
+          </a:stretch>
+        </p:blipFill>
+        <p:spPr>
+          <a:xfrm>
+            <a:off x="274320" y="137160"/>
+            <a:ext cx="1097280" cy="457200"/>
+          </a:xfrm>
+          <a:prstGeom prst="rect">
+            <a:avLst/>
+          </a:prstGeom>
+        </p:spPr>
+      </p:pic>
+      <p:sp>
+        <p:nvSpPr>
+          <p:cNvPr id="3" name="Shape 0"/>
           <p:cNvSpPr/>
           <p:nvPr/>
         </p:nvSpPr>
@@ -2204,7 +2240,7 @@
       </p:sp>
       <p:sp>
         <p:nvSpPr>
-          <p:cNvPr id="3" name="Text 1"/>
+          <p:cNvPr id="4" name="Text 1"/>
           <p:cNvSpPr/>
           <p:nvPr/>
         </p:nvSpPr>
@@ -2243,7 +2279,7 @@
       </p:sp>
       <p:sp>
         <p:nvSpPr>
-          <p:cNvPr id="4" name="Text 2"/>
+          <p:cNvPr id="5" name="Text 2"/>
           <p:cNvSpPr/>
           <p:nvPr/>
         </p:nvSpPr>
@@ -2282,7 +2318,7 @@
       </p:sp>
       <p:sp>
         <p:nvSpPr>
-          <p:cNvPr id="5" name="Text 3"/>
+          <p:cNvPr id="6" name="Text 3"/>
           <p:cNvSpPr/>
           <p:nvPr/>
         </p:nvSpPr>
@@ -2321,7 +2357,7 @@
       </p:sp>
       <p:sp>
         <p:nvSpPr>
-          <p:cNvPr id="6" name="Text 4"/>
+          <p:cNvPr id="7" name="Text 4"/>
           <p:cNvSpPr/>
           <p:nvPr/>
         </p:nvSpPr>
@@ -2360,7 +2396,7 @@
       </p:sp>
       <p:sp>
         <p:nvSpPr>
-          <p:cNvPr id="7" name="Text 5"/>
+          <p:cNvPr id="8" name="Text 5"/>
           <p:cNvSpPr/>
           <p:nvPr/>
         </p:nvSpPr>
@@ -2399,7 +2435,7 @@
       </p:sp>
       <p:sp>
         <p:nvSpPr>
-          <p:cNvPr id="8" name="Text 6"/>
+          <p:cNvPr id="9" name="Text 6"/>
           <p:cNvSpPr/>
           <p:nvPr/>
         </p:nvSpPr>
@@ -2438,7 +2474,7 @@
       </p:sp>
       <p:sp>
         <p:nvSpPr>
-          <p:cNvPr id="9" name="Text 7"/>
+          <p:cNvPr id="10" name="Text 7"/>
           <p:cNvSpPr/>
           <p:nvPr/>
         </p:nvSpPr>
@@ -2486,6 +2522,13 @@
 <file path=ppt/slides/slide4.xml><?xml version="1.0" encoding="utf-8"?>
 <p:sld xmlns:a="http://schemas.openxmlformats.org/drawingml/2006/main" xmlns:r="http://schemas.openxmlformats.org/officeDocument/2006/relationships" xmlns:p="http://schemas.openxmlformats.org/presentationml/2006/main">
   <p:cSld name="Slide 4">
+    <p:bg>
+      <p:bgPr>
+        <a:solidFill>
+          <a:srgbClr val="1A1A2E"/>
+        </a:solidFill>
+      </p:bgPr>
+    </p:bg>
     <p:spTree>
       <p:nvGrpSpPr>
         <p:cNvPr id="1" name=""/>
@@ -2500,9 +2543,33 @@
           <a:chExt cx="0" cy="0"/>
         </a:xfrm>
       </p:grpSpPr>
-      <p:sp>
-        <p:nvSpPr>
-          <p:cNvPr id="2" name="Shape 0"/>
+      <p:pic>
+        <p:nvPicPr>
+          <p:cNvPr id="2" name="Image 0" descr="preencoded.png">    </p:cNvPr>
+          <p:cNvPicPr>
+            <a:picLocks noChangeAspect="1"/>
+          </p:cNvPicPr>
+          <p:nvPr/>
+        </p:nvPicPr>
+        <p:blipFill>
+          <a:blip r:embed="rId1"/>
+          <a:stretch>
+            <a:fillRect/>
+          </a:stretch>
+        </p:blipFill>
+        <p:spPr>
+          <a:xfrm>
+            <a:off x="274320" y="137160"/>
+            <a:ext cx="1097280" cy="457200"/>
+          </a:xfrm>
+          <a:prstGeom prst="rect">
+            <a:avLst/>
+          </a:prstGeom>
+        </p:spPr>
+      </p:pic>
+      <p:sp>
+        <p:nvSpPr>
+          <p:cNvPr id="3" name="Shape 0"/>
           <p:cNvSpPr/>
           <p:nvPr/>
         </p:nvSpPr>
@@ -2522,7 +2589,7 @@
       </p:sp>
       <p:sp>
         <p:nvSpPr>
-          <p:cNvPr id="3" name="Text 1"/>
+          <p:cNvPr id="4" name="Text 1"/>
           <p:cNvSpPr/>
           <p:nvPr/>
         </p:nvSpPr>
@@ -2561,7 +2628,7 @@
       </p:sp>
       <p:sp>
         <p:nvSpPr>
-          <p:cNvPr id="4" name="Text 2"/>
+          <p:cNvPr id="5" name="Text 2"/>
           <p:cNvSpPr/>
           <p:nvPr/>
         </p:nvSpPr>
@@ -2600,7 +2667,7 @@
       </p:sp>
       <p:sp>
         <p:nvSpPr>
-          <p:cNvPr id="5" name="Text 3"/>
+          <p:cNvPr id="6" name="Text 3"/>
           <p:cNvSpPr/>
           <p:nvPr/>
         </p:nvSpPr>
@@ -2639,7 +2706,7 @@
       </p:sp>
       <p:sp>
         <p:nvSpPr>
-          <p:cNvPr id="6" name="Text 4"/>
+          <p:cNvPr id="7" name="Text 4"/>
           <p:cNvSpPr/>
           <p:nvPr/>
         </p:nvSpPr>
@@ -2678,7 +2745,7 @@
       </p:sp>
       <p:sp>
         <p:nvSpPr>
-          <p:cNvPr id="7" name="Text 5"/>
+          <p:cNvPr id="8" name="Text 5"/>
           <p:cNvSpPr/>
           <p:nvPr/>
         </p:nvSpPr>
@@ -2717,7 +2784,7 @@
       </p:sp>
       <p:sp>
         <p:nvSpPr>
-          <p:cNvPr id="8" name="Text 6"/>
+          <p:cNvPr id="9" name="Text 6"/>
           <p:cNvSpPr/>
           <p:nvPr/>
         </p:nvSpPr>
@@ -2756,7 +2823,7 @@
       </p:sp>
       <p:sp>
         <p:nvSpPr>
-          <p:cNvPr id="9" name="Text 7"/>
+          <p:cNvPr id="10" name="Text 7"/>
           <p:cNvSpPr/>
           <p:nvPr/>
         </p:nvSpPr>
@@ -2804,6 +2871,13 @@
 <file path=ppt/slides/slide5.xml><?xml version="1.0" encoding="utf-8"?>
 <p:sld xmlns:a="http://schemas.openxmlformats.org/drawingml/2006/main" xmlns:r="http://schemas.openxmlformats.org/officeDocument/2006/relationships" xmlns:p="http://schemas.openxmlformats.org/presentationml/2006/main">
   <p:cSld name="Slide 5">
+    <p:bg>
+      <p:bgPr>
+        <a:solidFill>
+          <a:srgbClr val="1A1A2E"/>
+        </a:solidFill>
+      </p:bgPr>
+    </p:bg>
     <p:spTree>
       <p:nvGrpSpPr>
         <p:cNvPr id="1" name=""/>
@@ -2818,9 +2892,33 @@
           <a:chExt cx="0" cy="0"/>
         </a:xfrm>
       </p:grpSpPr>
-      <p:sp>
-        <p:nvSpPr>
-          <p:cNvPr id="2" name="Shape 0"/>
+      <p:pic>
+        <p:nvPicPr>
+          <p:cNvPr id="2" name="Image 0" descr="preencoded.png">    </p:cNvPr>
+          <p:cNvPicPr>
+            <a:picLocks noChangeAspect="1"/>
+          </p:cNvPicPr>
+          <p:nvPr/>
+        </p:nvPicPr>
+        <p:blipFill>
+          <a:blip r:embed="rId1"/>
+          <a:stretch>
+            <a:fillRect/>
+          </a:stretch>
+        </p:blipFill>
+        <p:spPr>
+          <a:xfrm>
+            <a:off x="274320" y="137160"/>
+            <a:ext cx="1097280" cy="457200"/>
+          </a:xfrm>
+          <a:prstGeom prst="rect">
+            <a:avLst/>
+          </a:prstGeom>
+        </p:spPr>
+      </p:pic>
+      <p:sp>
+        <p:nvSpPr>
+          <p:cNvPr id="3" name="Shape 0"/>
           <p:cNvSpPr/>
           <p:nvPr/>
         </p:nvSpPr>
@@ -2840,7 +2938,7 @@
       </p:sp>
       <p:sp>
         <p:nvSpPr>
-          <p:cNvPr id="3" name="Text 1"/>
+          <p:cNvPr id="4" name="Text 1"/>
           <p:cNvSpPr/>
           <p:nvPr/>
         </p:nvSpPr>
@@ -2879,7 +2977,7 @@
       </p:sp>
       <p:sp>
         <p:nvSpPr>
-          <p:cNvPr id="4" name="Text 2"/>
+          <p:cNvPr id="5" name="Text 2"/>
           <p:cNvSpPr/>
           <p:nvPr/>
         </p:nvSpPr>
@@ -2918,7 +3016,7 @@
       </p:sp>
       <p:sp>
         <p:nvSpPr>
-          <p:cNvPr id="5" name="Text 3"/>
+          <p:cNvPr id="6" name="Text 3"/>
           <p:cNvSpPr/>
           <p:nvPr/>
         </p:nvSpPr>
@@ -2957,7 +3055,7 @@
       </p:sp>
       <p:sp>
         <p:nvSpPr>
-          <p:cNvPr id="6" name="Text 4"/>
+          <p:cNvPr id="7" name="Text 4"/>
           <p:cNvSpPr/>
           <p:nvPr/>
         </p:nvSpPr>
@@ -2996,7 +3094,7 @@
       </p:sp>
       <p:sp>
         <p:nvSpPr>
-          <p:cNvPr id="7" name="Text 5"/>
+          <p:cNvPr id="8" name="Text 5"/>
           <p:cNvSpPr/>
           <p:nvPr/>
         </p:nvSpPr>
@@ -3035,7 +3133,7 @@
       </p:sp>
       <p:sp>
         <p:nvSpPr>
-          <p:cNvPr id="8" name="Text 6"/>
+          <p:cNvPr id="9" name="Text 6"/>
           <p:cNvSpPr/>
           <p:nvPr/>
         </p:nvSpPr>
@@ -3074,7 +3172,7 @@
       </p:sp>
       <p:sp>
         <p:nvSpPr>
-          <p:cNvPr id="9" name="Text 7"/>
+          <p:cNvPr id="10" name="Text 7"/>
           <p:cNvSpPr/>
           <p:nvPr/>
         </p:nvSpPr>
@@ -3122,6 +3220,13 @@
 <file path=ppt/slides/slide6.xml><?xml version="1.0" encoding="utf-8"?>
 <p:sld xmlns:a="http://schemas.openxmlformats.org/drawingml/2006/main" xmlns:r="http://schemas.openxmlformats.org/officeDocument/2006/relationships" xmlns:p="http://schemas.openxmlformats.org/presentationml/2006/main">
   <p:cSld name="Slide 6">
+    <p:bg>
+      <p:bgPr>
+        <a:solidFill>
+          <a:srgbClr val="1A1A2E"/>
+        </a:solidFill>
+      </p:bgPr>
+    </p:bg>
     <p:spTree>
       <p:nvGrpSpPr>
         <p:cNvPr id="1" name=""/>
@@ -3136,9 +3241,33 @@
           <a:chExt cx="0" cy="0"/>
         </a:xfrm>
       </p:grpSpPr>
-      <p:sp>
-        <p:nvSpPr>
-          <p:cNvPr id="2" name="Shape 0"/>
+      <p:pic>
+        <p:nvPicPr>
+          <p:cNvPr id="2" name="Image 0" descr="preencoded.png">    </p:cNvPr>
+          <p:cNvPicPr>
+            <a:picLocks noChangeAspect="1"/>
+          </p:cNvPicPr>
+          <p:nvPr/>
+        </p:nvPicPr>
+        <p:blipFill>
+          <a:blip r:embed="rId1"/>
+          <a:stretch>
+            <a:fillRect/>
+          </a:stretch>
+        </p:blipFill>
+        <p:spPr>
+          <a:xfrm>
+            <a:off x="274320" y="137160"/>
+            <a:ext cx="1097280" cy="457200"/>
+          </a:xfrm>
+          <a:prstGeom prst="rect">
+            <a:avLst/>
+          </a:prstGeom>
+        </p:spPr>
+      </p:pic>
+      <p:sp>
+        <p:nvSpPr>
+          <p:cNvPr id="3" name="Shape 0"/>
           <p:cNvSpPr/>
           <p:nvPr/>
         </p:nvSpPr>
@@ -3158,7 +3287,7 @@
       </p:sp>
       <p:sp>
         <p:nvSpPr>
-          <p:cNvPr id="3" name="Text 1"/>
+          <p:cNvPr id="4" name="Text 1"/>
           <p:cNvSpPr/>
           <p:nvPr/>
         </p:nvSpPr>
@@ -3197,7 +3326,7 @@
       </p:sp>
       <p:sp>
         <p:nvSpPr>
-          <p:cNvPr id="4" name="Text 2"/>
+          <p:cNvPr id="5" name="Text 2"/>
           <p:cNvSpPr/>
           <p:nvPr/>
         </p:nvSpPr>
@@ -3236,7 +3365,7 @@
       </p:sp>
       <p:sp>
         <p:nvSpPr>
-          <p:cNvPr id="5" name="Text 3"/>
+          <p:cNvPr id="6" name="Text 3"/>
           <p:cNvSpPr/>
           <p:nvPr/>
         </p:nvSpPr>
@@ -3275,7 +3404,7 @@
       </p:sp>
       <p:sp>
         <p:nvSpPr>
-          <p:cNvPr id="6" name="Text 4"/>
+          <p:cNvPr id="7" name="Text 4"/>
           <p:cNvSpPr/>
           <p:nvPr/>
         </p:nvSpPr>
@@ -3314,7 +3443,7 @@
       </p:sp>
       <p:sp>
         <p:nvSpPr>
-          <p:cNvPr id="7" name="Text 5"/>
+          <p:cNvPr id="8" name="Text 5"/>
           <p:cNvSpPr/>
           <p:nvPr/>
         </p:nvSpPr>
@@ -3353,7 +3482,7 @@
       </p:sp>
       <p:sp>
         <p:nvSpPr>
-          <p:cNvPr id="8" name="Text 6"/>
+          <p:cNvPr id="9" name="Text 6"/>
           <p:cNvSpPr/>
           <p:nvPr/>
         </p:nvSpPr>
@@ -3392,7 +3521,7 @@
       </p:sp>
       <p:sp>
         <p:nvSpPr>
-          <p:cNvPr id="9" name="Text 7"/>
+          <p:cNvPr id="10" name="Text 7"/>
           <p:cNvSpPr/>
           <p:nvPr/>
         </p:nvSpPr>
@@ -3440,6 +3569,13 @@
 <file path=ppt/slides/slide7.xml><?xml version="1.0" encoding="utf-8"?>
 <p:sld xmlns:a="http://schemas.openxmlformats.org/drawingml/2006/main" xmlns:r="http://schemas.openxmlformats.org/officeDocument/2006/relationships" xmlns:p="http://schemas.openxmlformats.org/presentationml/2006/main">
   <p:cSld name="Slide 7">
+    <p:bg>
+      <p:bgPr>
+        <a:solidFill>
+          <a:srgbClr val="1A1A2E"/>
+        </a:solidFill>
+      </p:bgPr>
+    </p:bg>
     <p:spTree>
       <p:nvGrpSpPr>
         <p:cNvPr id="1" name=""/>
@@ -3454,9 +3590,33 @@
           <a:chExt cx="0" cy="0"/>
         </a:xfrm>
       </p:grpSpPr>
-      <p:sp>
-        <p:nvSpPr>
-          <p:cNvPr id="2" name="Shape 0"/>
+      <p:pic>
+        <p:nvPicPr>
+          <p:cNvPr id="2" name="Image 0" descr="preencoded.png">    </p:cNvPr>
+          <p:cNvPicPr>
+            <a:picLocks noChangeAspect="1"/>
+          </p:cNvPicPr>
+          <p:nvPr/>
+        </p:nvPicPr>
+        <p:blipFill>
+          <a:blip r:embed="rId1"/>
+          <a:stretch>
+            <a:fillRect/>
+          </a:stretch>
+        </p:blipFill>
+        <p:spPr>
+          <a:xfrm>
+            <a:off x="274320" y="137160"/>
+            <a:ext cx="1097280" cy="457200"/>
+          </a:xfrm>
+          <a:prstGeom prst="rect">
+            <a:avLst/>
+          </a:prstGeom>
+        </p:spPr>
+      </p:pic>
+      <p:sp>
+        <p:nvSpPr>
+          <p:cNvPr id="3" name="Shape 0"/>
           <p:cNvSpPr/>
           <p:nvPr/>
         </p:nvSpPr>
@@ -3476,7 +3636,7 @@
       </p:sp>
       <p:sp>
         <p:nvSpPr>
-          <p:cNvPr id="3" name="Text 1"/>
+          <p:cNvPr id="4" name="Text 1"/>
           <p:cNvSpPr/>
           <p:nvPr/>
         </p:nvSpPr>
@@ -3515,7 +3675,7 @@
       </p:sp>
       <p:sp>
         <p:nvSpPr>
-          <p:cNvPr id="4" name="Text 2"/>
+          <p:cNvPr id="5" name="Text 2"/>
           <p:cNvSpPr/>
           <p:nvPr/>
         </p:nvSpPr>
@@ -3554,7 +3714,7 @@
       </p:sp>
       <p:sp>
         <p:nvSpPr>
-          <p:cNvPr id="5" name="Text 3"/>
+          <p:cNvPr id="6" name="Text 3"/>
           <p:cNvSpPr/>
           <p:nvPr/>
         </p:nvSpPr>
@@ -3585,7 +3745,7 @@
                 <a:ea typeface="Arial" pitchFamily="34" charset="-122"/>
                 <a:cs typeface="Arial" pitchFamily="34" charset="-120"/>
               </a:rPr>
-              <a:t>Foco seduzido = capturado, vazio, dependência</a:t>
+              <a:t>Foco seduzido = capturado, vazio</a:t>
             </a:r>
             <a:endParaRPr lang="en-US" sz="1500" dirty="0"/>
           </a:p>
@@ -3593,7 +3753,7 @@
       </p:sp>
       <p:sp>
         <p:nvSpPr>
-          <p:cNvPr id="6" name="Text 4"/>
+          <p:cNvPr id="7" name="Text 4"/>
           <p:cNvSpPr/>
           <p:nvPr/>
         </p:nvSpPr>
@@ -3632,7 +3792,7 @@
       </p:sp>
       <p:sp>
         <p:nvSpPr>
-          <p:cNvPr id="7" name="Text 5"/>
+          <p:cNvPr id="8" name="Text 5"/>
           <p:cNvSpPr/>
           <p:nvPr/>
         </p:nvSpPr>
@@ -3663,7 +3823,7 @@
                 <a:ea typeface="Arial" pitchFamily="34" charset="-122"/>
                 <a:cs typeface="Arial" pitchFamily="34" charset="-120"/>
               </a:rPr>
-              <a:t>Foco direcionado = escolha, esforço, satisfação</a:t>
+              <a:t>Foco direcionado = escolha, satisfação</a:t>
             </a:r>
             <a:endParaRPr lang="en-US" sz="1500" dirty="0"/>
           </a:p>
@@ -3671,7 +3831,7 @@
       </p:sp>
       <p:sp>
         <p:nvSpPr>
-          <p:cNvPr id="8" name="Text 6"/>
+          <p:cNvPr id="9" name="Text 6"/>
           <p:cNvSpPr/>
           <p:nvPr/>
         </p:nvSpPr>
@@ -3710,7 +3870,7 @@
       </p:sp>
       <p:sp>
         <p:nvSpPr>
-          <p:cNvPr id="9" name="Text 7"/>
+          <p:cNvPr id="10" name="Text 7"/>
           <p:cNvSpPr/>
           <p:nvPr/>
         </p:nvSpPr>
@@ -3741,7 +3901,7 @@
                 <a:ea typeface="Arial" pitchFamily="34" charset="-122"/>
                 <a:cs typeface="Arial" pitchFamily="34" charset="-120"/>
               </a:rPr>
-              <a:t>Sistema de recompensa pode ser resetado</a:t>
+              <a:t>Sistema pode ser resetado</a:t>
             </a:r>
             <a:endParaRPr lang="en-US" sz="1500" dirty="0"/>
           </a:p>
@@ -3749,7 +3909,7 @@
       </p:sp>
       <p:sp>
         <p:nvSpPr>
-          <p:cNvPr id="10" name="Text 8"/>
+          <p:cNvPr id="11" name="Text 8"/>
           <p:cNvSpPr/>
           <p:nvPr/>
         </p:nvSpPr>
@@ -3788,7 +3948,7 @@
       </p:sp>
       <p:sp>
         <p:nvSpPr>
-          <p:cNvPr id="11" name="Text 9"/>
+          <p:cNvPr id="12" name="Text 9"/>
           <p:cNvSpPr/>
           <p:nvPr/>
         </p:nvSpPr>
@@ -3836,6 +3996,13 @@
 <file path=ppt/slides/slide8.xml><?xml version="1.0" encoding="utf-8"?>
 <p:sld xmlns:a="http://schemas.openxmlformats.org/drawingml/2006/main" xmlns:r="http://schemas.openxmlformats.org/officeDocument/2006/relationships" xmlns:p="http://schemas.openxmlformats.org/presentationml/2006/main">
   <p:cSld name="Slide 8">
+    <p:bg>
+      <p:bgPr>
+        <a:solidFill>
+          <a:srgbClr val="1A1A2E"/>
+        </a:solidFill>
+      </p:bgPr>
+    </p:bg>
     <p:spTree>
       <p:nvGrpSpPr>
         <p:cNvPr id="1" name=""/>
@@ -3850,9 +4017,33 @@
           <a:chExt cx="0" cy="0"/>
         </a:xfrm>
       </p:grpSpPr>
-      <p:sp>
-        <p:nvSpPr>
-          <p:cNvPr id="2" name="Shape 0"/>
+      <p:pic>
+        <p:nvPicPr>
+          <p:cNvPr id="2" name="Image 0" descr="preencoded.png">    </p:cNvPr>
+          <p:cNvPicPr>
+            <a:picLocks noChangeAspect="1"/>
+          </p:cNvPicPr>
+          <p:nvPr/>
+        </p:nvPicPr>
+        <p:blipFill>
+          <a:blip r:embed="rId1"/>
+          <a:stretch>
+            <a:fillRect/>
+          </a:stretch>
+        </p:blipFill>
+        <p:spPr>
+          <a:xfrm>
+            <a:off x="274320" y="137160"/>
+            <a:ext cx="1097280" cy="457200"/>
+          </a:xfrm>
+          <a:prstGeom prst="rect">
+            <a:avLst/>
+          </a:prstGeom>
+        </p:spPr>
+      </p:pic>
+      <p:sp>
+        <p:nvSpPr>
+          <p:cNvPr id="3" name="Shape 0"/>
           <p:cNvSpPr/>
           <p:nvPr/>
         </p:nvSpPr>
@@ -3872,7 +4063,7 @@
       </p:sp>
       <p:sp>
         <p:nvSpPr>
-          <p:cNvPr id="3" name="Text 1"/>
+          <p:cNvPr id="4" name="Text 1"/>
           <p:cNvSpPr/>
           <p:nvPr/>
         </p:nvSpPr>
@@ -3911,7 +4102,7 @@
       </p:sp>
       <p:sp>
         <p:nvSpPr>
-          <p:cNvPr id="4" name="Shape 2"/>
+          <p:cNvPr id="5" name="Shape 2"/>
           <p:cNvSpPr/>
           <p:nvPr/>
         </p:nvSpPr>
@@ -3936,7 +4127,7 @@
       </p:sp>
       <p:sp>
         <p:nvSpPr>
-          <p:cNvPr id="5" name="Text 3"/>
+          <p:cNvPr id="6" name="Text 3"/>
           <p:cNvSpPr/>
           <p:nvPr/>
         </p:nvSpPr>
@@ -3967,7 +4158,7 @@
                 <a:ea typeface="Arial" pitchFamily="34" charset="-122"/>
                 <a:cs typeface="Arial" pitchFamily="34" charset="-120"/>
               </a:rPr>
-              <a:t>Detox de Dopamina - 24h: Sem redes sociais, vídeos ou jogos. Registre como se sentiu.</a:t>
+              <a:t>Detox de Dopamina - 24h: Sem redes sociais, vídeos ou jogos.</a:t>
             </a:r>
             <a:endParaRPr lang="en-US" sz="1500" dirty="0"/>
           </a:p>
@@ -3975,7 +4166,7 @@
       </p:sp>
       <p:sp>
         <p:nvSpPr>
-          <p:cNvPr id="6" name="Text 4"/>
+          <p:cNvPr id="7" name="Text 4"/>
           <p:cNvSpPr/>
           <p:nvPr/>
         </p:nvSpPr>
@@ -4023,6 +4214,13 @@
 <file path=ppt/slides/slide9.xml><?xml version="1.0" encoding="utf-8"?>
 <p:sld xmlns:a="http://schemas.openxmlformats.org/drawingml/2006/main" xmlns:r="http://schemas.openxmlformats.org/officeDocument/2006/relationships" xmlns:p="http://schemas.openxmlformats.org/presentationml/2006/main">
   <p:cSld name="Slide 9">
+    <p:bg>
+      <p:bgPr>
+        <a:solidFill>
+          <a:srgbClr val="1A1A2E"/>
+        </a:solidFill>
+      </p:bgPr>
+    </p:bg>
     <p:spTree>
       <p:nvGrpSpPr>
         <p:cNvPr id="1" name=""/>
@@ -4037,9 +4235,33 @@
           <a:chExt cx="0" cy="0"/>
         </a:xfrm>
       </p:grpSpPr>
-      <p:sp>
-        <p:nvSpPr>
-          <p:cNvPr id="2" name="Shape 0"/>
+      <p:pic>
+        <p:nvPicPr>
+          <p:cNvPr id="2" name="Image 0" descr="preencoded.png">    </p:cNvPr>
+          <p:cNvPicPr>
+            <a:picLocks noChangeAspect="1"/>
+          </p:cNvPicPr>
+          <p:nvPr/>
+        </p:nvPicPr>
+        <p:blipFill>
+          <a:blip r:embed="rId1"/>
+          <a:stretch>
+            <a:fillRect/>
+          </a:stretch>
+        </p:blipFill>
+        <p:spPr>
+          <a:xfrm>
+            <a:off x="274320" y="137160"/>
+            <a:ext cx="1097280" cy="457200"/>
+          </a:xfrm>
+          <a:prstGeom prst="rect">
+            <a:avLst/>
+          </a:prstGeom>
+        </p:spPr>
+      </p:pic>
+      <p:sp>
+        <p:nvSpPr>
+          <p:cNvPr id="3" name="Shape 0"/>
           <p:cNvSpPr/>
           <p:nvPr/>
         </p:nvSpPr>
@@ -4059,7 +4281,7 @@
       </p:sp>
       <p:sp>
         <p:nvSpPr>
-          <p:cNvPr id="3" name="Text 1"/>
+          <p:cNvPr id="4" name="Text 1"/>
           <p:cNvSpPr/>
           <p:nvPr/>
         </p:nvSpPr>
@@ -4098,7 +4320,7 @@
       </p:sp>
       <p:sp>
         <p:nvSpPr>
-          <p:cNvPr id="4" name="Shape 2"/>
+          <p:cNvPr id="5" name="Shape 2"/>
           <p:cNvSpPr/>
           <p:nvPr/>
         </p:nvSpPr>
@@ -4123,7 +4345,7 @@
       </p:sp>
       <p:sp>
         <p:nvSpPr>
-          <p:cNvPr id="5" name="Text 3"/>
+          <p:cNvPr id="6" name="Text 3"/>
           <p:cNvSpPr/>
           <p:nvPr/>
         </p:nvSpPr>
@@ -4154,7 +4376,7 @@
                 <a:ea typeface="Arial" pitchFamily="34" charset="-122"/>
                 <a:cs typeface="Arial" pitchFamily="34" charset="-120"/>
               </a:rPr>
-              <a:t>"Você não é viciado em celular. Você é humano. A diferença está em escolher."</a:t>
+              <a:t>"Você não é viciado em celular. A diferença está em escolher."</a:t>
             </a:r>
             <a:endParaRPr lang="en-US" sz="1600" dirty="0"/>
           </a:p>
@@ -4162,7 +4384,7 @@
       </p:sp>
       <p:sp>
         <p:nvSpPr>
-          <p:cNvPr id="6" name="Text 4"/>
+          <p:cNvPr id="7" name="Text 4"/>
           <p:cNvSpPr/>
           <p:nvPr/>
         </p:nvSpPr>
@@ -4201,7 +4423,7 @@
       </p:sp>
       <p:sp>
         <p:nvSpPr>
-          <p:cNvPr id="7" name="Text 5"/>
+          <p:cNvPr id="8" name="Text 5"/>
           <p:cNvSpPr/>
           <p:nvPr/>
         </p:nvSpPr>

--- a/apresentacoes/foco-produtividade/aula-04-foco-direcionado.pptx
+++ b/apresentacoes/foco-produtividade/aula-04-foco-direcionado.pptx
@@ -14,9 +14,10 @@
     <p:sldId id="262" r:id="rId8"/>
     <p:sldId id="263" r:id="rId9"/>
     <p:sldId id="264" r:id="rId10"/>
+    <p:sldId id="265" r:id="rId11"/>
   </p:sldIdLst>
   <p:notesMasterIdLst>
-    <p:notesMasterId r:id="rId11"/>
+    <p:notesMasterId r:id="rId12"/>
   </p:notesMasterIdLst>
   <p:sldSz cx="9144000" cy="5143500"/>
   <p:notesSz cx="5143500" cy="9144000"/>
@@ -510,7 +511,10 @@
           <a:p>
             <a:r>
               <a:rPr lang="en-US" dirty="0"/>
-              <a:t/>
+              <a:t>Seja bem-vindo à Aula 4! Hoje vamos responder uma pergunta que talvez você já tenha se feito:
+"Por que é tão fácil passar horas no Netflix, no Instagram, no TikTok... mas estudar por 30 minutos parece uma tortura?"
+Se você já se pegou pensando que talvez tenha algum problema, que talvez seja preguiçoso, ou que simplesmente "não nasceu pra estudar"... respira. O problema não é você. O problema é que você está lutando contra um sistema cuidadosamente projetado para capturar sua atenção.
+Hoje você vai entender a diferença entre Foco Seduzido e Foco Direcionado, e essa compreensão vai mudar sua relação com os estudos.</a:t>
             </a:r>
             <a:endParaRPr lang="en-US" dirty="0"/>
           </a:p>
@@ -534,6 +538,100 @@
             <a:fld id="{F7021451-1387-4CA6-816F-3879F97B5CBC}" type="slidenum">
               <a:rPr lang="en-US"/>
               <a:t>1</a:t>
+            </a:fld>
+            <a:endParaRPr lang="en-US"/>
+          </a:p>
+        </p:txBody>
+      </p:sp>
+    </p:spTree>
+    <p:extLst>
+      <p:ext uri="{BB962C8B-B14F-4D97-AF65-F5344CB8AC3E}">
+        <p14:creationId xmlns:p14="http://schemas.microsoft.com/office/powerpoint/2010/main" val="1024086991"/>
+      </p:ext>
+    </p:extLst>
+  </p:cSld>
+  <p:clrMapOvr>
+    <a:masterClrMapping/>
+  </p:clrMapOvr>
+</p:notes>
+</file>
+
+<file path=ppt/notesSlides/notesSlide10.xml><?xml version="1.0" encoding="utf-8"?>
+<p:notes xmlns:a="http://schemas.openxmlformats.org/drawingml/2006/main" xmlns:r="http://schemas.openxmlformats.org/officeDocument/2006/relationships" xmlns:p="http://schemas.openxmlformats.org/presentationml/2006/main">
+  <p:cSld>
+    <p:spTree>
+      <p:nvGrpSpPr>
+        <p:cNvPr id="1" name=""/>
+        <p:cNvGrpSpPr/>
+        <p:nvPr/>
+      </p:nvGrpSpPr>
+      <p:grpSpPr>
+        <a:xfrm>
+          <a:off x="0" y="0"/>
+          <a:ext cx="0" cy="0"/>
+          <a:chOff x="0" y="0"/>
+          <a:chExt cx="0" cy="0"/>
+        </a:xfrm>
+      </p:grpSpPr>
+      <p:sp>
+        <p:nvSpPr>
+          <p:cNvPr id="2" name="Slide Image Placeholder 1"/>
+          <p:cNvSpPr>
+            <a:spLocks noGrp="1" noRot="1" noChangeAspect="1"/>
+          </p:cNvSpPr>
+          <p:nvPr>
+            <p:ph type="sldImg"/>
+          </p:nvPr>
+        </p:nvSpPr>
+        <p:spPr/>
+      </p:sp>
+      <p:sp>
+        <p:nvSpPr>
+          <p:cNvPr id="3" name="Notes Placeholder 2"/>
+          <p:cNvSpPr>
+            <a:spLocks noGrp="1"/>
+          </p:cNvSpPr>
+          <p:nvPr>
+            <p:ph type="body" idx="1"/>
+          </p:nvPr>
+        </p:nvSpPr>
+        <p:spPr/>
+        <p:txBody>
+          <a:bodyPr/>
+          <a:lstStyle/>
+          <a:p>
+            <a:r>
+              <a:rPr lang="en-US" dirty="0"/>
+              <a:t>Então, resumindo:
+- Foco Seduzido é capturado por estímulos externos, traz prazer vazio e cria dependência
+- Foco Direcionado é escolhido conscientemente, exige esforço inicial mas traz satisfação profunda
+- Você pode resetar seu sistema de recompensa reduzindo um e aumentando outro
+A partir de agora, toda vez que pegar o celular "só pra dar uma olhada", lembre-se: você está fazendo uma escolha. Entre o prazer vazio do foco seduzido e a satisfação profunda do foco direcionado.
+Na Aula 5, vamos fechar o bloco de Fundamentos falando sobre Equilíbrio Estável e Eliminação de Distrações. Você vai aprender a criar um sistema sustentável de foco, que não depende de força de vontade infinita.
+Hora da atividade!</a:t>
+            </a:r>
+            <a:endParaRPr lang="en-US" dirty="0"/>
+          </a:p>
+        </p:txBody>
+      </p:sp>
+      <p:sp>
+        <p:nvSpPr>
+          <p:cNvPr id="4" name="Slide Number Placeholder 3"/>
+          <p:cNvSpPr>
+            <a:spLocks noGrp="1"/>
+          </p:cNvSpPr>
+          <p:nvPr>
+            <p:ph type="sldNum" sz="quarter" idx="10"/>
+          </p:nvPr>
+        </p:nvSpPr>
+        <p:spPr/>
+        <p:txBody>
+          <a:bodyPr/>
+          <a:lstStyle/>
+          <a:p>
+            <a:fld id="{F7021451-1387-4CA6-816F-3879F97B5CBC}" type="slidenum">
+              <a:rPr lang="en-US"/>
+              <a:t>10</a:t>
             </a:fld>
             <a:endParaRPr lang="en-US"/>
           </a:p>
@@ -598,7 +696,8 @@
           <a:p>
             <a:r>
               <a:rPr lang="en-US" dirty="0"/>
-              <a:t/>
+              <a:t>Nesta aula, você vai aprender os conceitos principais apresentados nos objetivos. Seja bem-vindo à Aula 4! Hoje vamos responder uma pergunta que talvez você já tenha se feito:
+"Por que é tão fácil passar horas no Netflix, no Instagram, no TikTok... mas estudar por 30 minutos par</a:t>
             </a:r>
             <a:endParaRPr lang="en-US" dirty="0"/>
           </a:p>
@@ -686,7 +785,14 @@
           <a:p>
             <a:r>
               <a:rPr lang="en-US" dirty="0"/>
-              <a:t/>
+              <a:t>Foco Seduzido - O vilão disfarçado
+Vamos começar pelo Foco Seduzido. Esse é o tipo de foco que acontece quando você está rolando o feed do Instagram, assistindo vídeos no YouTube, ou jogando aquele jogo no celular.
+Perceba: você está focado. Às vezes por horas. Então tecnicamente sua capacidade de foco existe. O problema é onde esse foco está direcionado.
+O foco seduzido acontece quando estímulos externos capturam sua atenção sem seu consentimento. Esses estímulos são projetados para serem irresistíveis. Literalmente.
+As grandes empresas de tecnologia empregam os melhores psicólogos e neurocientistas do mundo para uma única missão: fazer você não conseguir parar de usar seus produtos. Cada cor, cada som de notificação, cada mecanismo de rolagem infinita foi testado e otimizado para sequestrar sua atenção.
+O mecanismo principal é o ciclo de dopamina. Dopamina é o neurotransmissor do prazer e da antecipação. Cada vez que você recebe uma curtida, um comentário, uma mensagem, seu cérebro libera um pouquinho de dopamina. E você quer mais.
+O problema? Esse prazer é vazio. É como junk food para o cérebro. Te dá uma satisfação momentânea, mas deixa você mais vazio e ansioso depois.
+E o pior: quanto mais você consome esse tipo de estímulo, mais seu cérebro se acostuma. Você precisa de doses cada vez maiores para sentir o mesmo prazer. E coisas que antes eram interessantes - como estudar - passam a parecer incrivelmente entediantes em comparação.</a:t>
             </a:r>
             <a:endParaRPr lang="en-US" dirty="0"/>
           </a:p>
@@ -774,7 +880,14 @@
           <a:p>
             <a:r>
               <a:rPr lang="en-US" dirty="0"/>
-              <a:t/>
+              <a:t>Foco Direcionado - O herói da história
+Agora, o Foco Direcionado é completamente diferente.
+Foco direcionado é quando você escolhe conscientemente onde colocar sua atenção, baseado no que é importante para seus objetivos de longo prazo, não no que é mais estimulante no momento.
+Estudar para um concurso é foco direcionado. Ler um livro técnico é foco direcionado. Praticar uma habilidade é foco direcionado.
+E sim, no início é mais difícil. Seu cérebro, acostumado com a dopamina fácil, vai protestar. Vai querer ir pro celular. Vai achar o conteúdo "chato". Isso é normal - é a abstinência da dopamina rápida.
+Mas aqui está a mágica: quando você persiste, uma coisa incrível acontece.
+O foco direcionado traz uma recompensa genuína. É a satisfação de entender um conceito difícil. É o orgulho de ver seu progresso. É a confiança de saber que você está construindo algo real.
+Essa satisfação é profunda e duradoura. Não é vazia como a dopamina das redes sociais. É o tipo de prazer que te faz dormir em paz à noite, sabendo que você fez algo que importa.</a:t>
             </a:r>
             <a:endParaRPr lang="en-US" dirty="0"/>
           </a:p>
@@ -862,7 +975,14 @@
           <a:p>
             <a:r>
               <a:rPr lang="en-US" dirty="0"/>
-              <a:t/>
+              <a:t>A neurociência por trás
+Vamos entender o que acontece no cérebro.
+Existem dois tipos de dopamina relevantes aqui:
+A dopamina fácil vem de estímulos rápidos e sem esforço. Redes sociais, jogos, fofoca. Ela ativa o sistema de recompensa de forma intensa mas breve. E cria dependência.
+A dopamina de conquista vem de alcançar algo que exigiu esforço. Completar um capítulo difícil. Resolver um problema que estava te travando. Ela ativa o sistema de recompensa de forma mais moderada mas muito mais duradoura. E cria motivação sustentável.
+A boa notícia? Você pode fazer um reset do seu sistema de recompensa.
+Quando você reduz a exposição à dopamina fácil e aumenta experiências de dopamina de conquista, seu cérebro se recalibra. Coisas que antes pareciam entediantes voltam a ser interessantes. O esforço do estudo deixa de ser sofrimento e passa a ser desafio.
+Esse processo leva algumas semanas, mas os resultados são transformadores.</a:t>
             </a:r>
             <a:endParaRPr lang="en-US" dirty="0"/>
           </a:p>
@@ -950,7 +1070,22 @@
           <a:p>
             <a:r>
               <a:rPr lang="en-US" dirty="0"/>
-              <a:t/>
+              <a:t>Estratégias para cultivar o foco direcionado
+Como você cultiva o foco direcionado na prática?
+Primeiro: reduza a exposição ao foco seduzido.
+- Desinstale apps de redes sociais do celular (use pelo computador se precisar)
+- Configure limites de tempo de uso
+- Desative notificações não essenciais
+- Crie "zonas livres de telas" na sua casa
+Segundo: torne o foco direcionado mais atrativo.
+- Estude assuntos conectando com seus interesses
+- Divida grandes tarefas em pequenas vitórias
+- Celebre seu progresso, mesmo o pequeno
+- Use técnicas de gamificação (que veremos em aulas futuras)
+Terceiro: crie rituais de transição.
+- Um ritual específico para entrar no modo estudo
+- Pode ser fazer um chá, organizar a mesa, colocar uma música específica
+- Isso sinaliza para o cérebro: "agora é hora de foco direcionado"</a:t>
             </a:r>
             <a:endParaRPr lang="en-US" dirty="0"/>
           </a:p>
@@ -1038,7 +1173,7 @@
           <a:p>
             <a:r>
               <a:rPr lang="en-US" dirty="0"/>
-              <a:t/>
+              <a:t>Resumo dos pontos principais da aula. Foco seduzido = capturado por estímulos, prazer vazio, dependência. Foco direcionado = escolha consciente, esforço recompensado, satisfação profunda. O sistema de recompensa pode ser resetado. Estratégias: reduzir, tornar atrativo, criar rituais</a:t>
             </a:r>
             <a:endParaRPr lang="en-US" dirty="0"/>
           </a:p>
@@ -1126,7 +1261,7 @@
           <a:p>
             <a:r>
               <a:rPr lang="en-US" dirty="0"/>
-              <a:t/>
+              <a:t>Este infográfico resume visualmente os principais conceitos da aula. Use-o para reforçar o aprendizado. Foco seduzido = capturado por estímulos, prazer vazio, dependência. Foco direcionado = escolha consciente, esforço recompensado, satisfação profunda. O sistema de recompensa pode ser resetado. Estratégias: reduzir, tornar atrativo, criar rituais</a:t>
             </a:r>
             <a:endParaRPr lang="en-US" dirty="0"/>
           </a:p>
@@ -1214,7 +1349,7 @@
           <a:p>
             <a:r>
               <a:rPr lang="en-US" dirty="0"/>
-              <a:t/>
+              <a:t>Agora é hora da prática!  Uma experiência transformadora de 24 horas!</a:t>
             </a:r>
             <a:endParaRPr lang="en-US" dirty="0"/>
           </a:p>
@@ -1640,7 +1775,7 @@
                 <a:ea typeface="Arial" pitchFamily="34" charset="-122"/>
                 <a:cs typeface="Arial" pitchFamily="34" charset="-120"/>
               </a:rPr>
-              <a:t>Módulo 1 - Hiperfoco | Bloco: Fundamentos</a:t>
+              <a:t>1 - Hiperfoco e Hiperprodutividade | Bloco: Fundamentos</a:t>
             </a:r>
             <a:endParaRPr lang="en-US" sz="1400" dirty="0"/>
           </a:p>
@@ -1881,7 +2016,7 @@
                 <a:ea typeface="Arial" pitchFamily="34" charset="-122"/>
                 <a:cs typeface="Arial" pitchFamily="34" charset="-120"/>
               </a:rPr>
-              <a:t>⏱ Duração: ~25 min</a:t>
+              <a:t>⏱ Duração: ~22 minutos</a:t>
             </a:r>
             <a:endParaRPr lang="en-US" sz="1100" dirty="0"/>
           </a:p>
@@ -1945,7 +2080,7 @@
                 <a:ea typeface="Arial" pitchFamily="34" charset="-122"/>
                 <a:cs typeface="Arial" pitchFamily="34" charset="-120"/>
               </a:rPr>
-              <a:t>📚 Nível: Intermediário</a:t>
+              <a:t>📚 Nível: Introdutório</a:t>
             </a:r>
             <a:endParaRPr lang="en-US" sz="1100" dirty="0"/>
           </a:p>
@@ -2017,7 +2152,7 @@
       </p:sp>
       <p:pic>
         <p:nvPicPr>
-          <p:cNvPr id="16" name="Image 0" descr="preencoded.png">    </p:cNvPr>
+          <p:cNvPr id="17" name="Image 0" descr="preencoded.png">    </p:cNvPr>
           <p:cNvPicPr>
             <a:picLocks noChangeAspect="1"/>
           </p:cNvPicPr>
@@ -2033,6 +2168,382 @@
           <a:xfrm>
             <a:off x="7498080" y="4389120"/>
             <a:ext cx="1371600" cy="548640"/>
+          </a:xfrm>
+          <a:prstGeom prst="rect">
+            <a:avLst/>
+          </a:prstGeom>
+        </p:spPr>
+      </p:pic>
+    </p:spTree>
+  </p:cSld>
+  <p:clrMapOvr>
+    <a:masterClrMapping/>
+  </p:clrMapOvr>
+</p:sld>
+</file>
+
+<file path=ppt/slides/slide10.xml><?xml version="1.0" encoding="utf-8"?>
+<p:sld xmlns:a="http://schemas.openxmlformats.org/drawingml/2006/main" xmlns:r="http://schemas.openxmlformats.org/officeDocument/2006/relationships" xmlns:p="http://schemas.openxmlformats.org/presentationml/2006/main">
+  <p:cSld name="Slide 10">
+    <p:bg>
+      <p:bgPr>
+        <a:solidFill>
+          <a:srgbClr val="1A1A2E"/>
+        </a:solidFill>
+      </p:bgPr>
+    </p:bg>
+    <p:spTree>
+      <p:nvGrpSpPr>
+        <p:cNvPr id="1" name=""/>
+        <p:cNvGrpSpPr/>
+        <p:nvPr/>
+      </p:nvGrpSpPr>
+      <p:grpSpPr>
+        <a:xfrm>
+          <a:off x="0" y="0"/>
+          <a:ext cx="0" cy="0"/>
+          <a:chOff x="0" y="0"/>
+          <a:chExt cx="0" cy="0"/>
+        </a:xfrm>
+      </p:grpSpPr>
+      <p:sp>
+        <p:nvSpPr>
+          <p:cNvPr id="2" name="Shape 0"/>
+          <p:cNvSpPr/>
+          <p:nvPr/>
+        </p:nvSpPr>
+        <p:spPr>
+          <a:xfrm>
+            <a:off x="0" y="0"/>
+            <a:ext cx="9144000" cy="822960"/>
+          </a:xfrm>
+          <a:prstGeom prst="rect">
+            <a:avLst/>
+          </a:prstGeom>
+          <a:solidFill>
+            <a:srgbClr val="0F172A"/>
+          </a:solidFill>
+          <a:ln/>
+        </p:spPr>
+      </p:sp>
+      <p:sp>
+        <p:nvSpPr>
+          <p:cNvPr id="3" name="Text 1"/>
+          <p:cNvSpPr/>
+          <p:nvPr/>
+        </p:nvSpPr>
+        <p:spPr>
+          <a:xfrm>
+            <a:off x="457200" y="228600"/>
+            <a:ext cx="8229600" cy="457200"/>
+          </a:xfrm>
+          <a:prstGeom prst="rect">
+            <a:avLst/>
+          </a:prstGeom>
+          <a:noFill/>
+          <a:ln/>
+        </p:spPr>
+        <p:txBody>
+          <a:bodyPr wrap="square" rtlCol="0" anchor="ctr"/>
+          <a:lstStyle/>
+          <a:p>
+            <a:pPr indent="0" marL="0">
+              <a:buNone/>
+            </a:pPr>
+            <a:r>
+              <a:rPr lang="en-US" sz="2000" b="1" dirty="0">
+                <a:solidFill>
+                  <a:srgbClr val="FFFFFF"/>
+                </a:solidFill>
+                <a:latin typeface="Arial" pitchFamily="34" charset="0"/>
+                <a:ea typeface="Arial" pitchFamily="34" charset="-122"/>
+                <a:cs typeface="Arial" pitchFamily="34" charset="-120"/>
+              </a:rPr>
+              <a:t>Aula 04 - Encerramento</a:t>
+            </a:r>
+            <a:endParaRPr lang="en-US" sz="2000" dirty="0"/>
+          </a:p>
+        </p:txBody>
+      </p:sp>
+      <p:sp>
+        <p:nvSpPr>
+          <p:cNvPr id="4" name="Shape 2"/>
+          <p:cNvSpPr/>
+          <p:nvPr/>
+        </p:nvSpPr>
+        <p:spPr>
+          <a:xfrm>
+            <a:off x="0" y="822960"/>
+            <a:ext cx="2743200" cy="91440"/>
+          </a:xfrm>
+          <a:prstGeom prst="rect">
+            <a:avLst/>
+          </a:prstGeom>
+          <a:solidFill>
+            <a:srgbClr val="667EEA"/>
+          </a:solidFill>
+          <a:ln/>
+        </p:spPr>
+      </p:sp>
+      <p:sp>
+        <p:nvSpPr>
+          <p:cNvPr id="5" name="Shape 3"/>
+          <p:cNvSpPr/>
+          <p:nvPr/>
+        </p:nvSpPr>
+        <p:spPr>
+          <a:xfrm>
+            <a:off x="3200400" y="822960"/>
+            <a:ext cx="2743200" cy="91440"/>
+          </a:xfrm>
+          <a:prstGeom prst="rect">
+            <a:avLst/>
+          </a:prstGeom>
+          <a:solidFill>
+            <a:srgbClr val="22C55E"/>
+          </a:solidFill>
+          <a:ln/>
+        </p:spPr>
+      </p:sp>
+      <p:sp>
+        <p:nvSpPr>
+          <p:cNvPr id="6" name="Shape 4"/>
+          <p:cNvSpPr/>
+          <p:nvPr/>
+        </p:nvSpPr>
+        <p:spPr>
+          <a:xfrm>
+            <a:off x="6400800" y="822960"/>
+            <a:ext cx="2743200" cy="91440"/>
+          </a:xfrm>
+          <a:prstGeom prst="rect">
+            <a:avLst/>
+          </a:prstGeom>
+          <a:solidFill>
+            <a:srgbClr val="3B82F6"/>
+          </a:solidFill>
+          <a:ln/>
+        </p:spPr>
+      </p:sp>
+      <p:sp>
+        <p:nvSpPr>
+          <p:cNvPr id="7" name="Shape 5"/>
+          <p:cNvSpPr/>
+          <p:nvPr/>
+        </p:nvSpPr>
+        <p:spPr>
+          <a:xfrm>
+            <a:off x="914400" y="1371600"/>
+            <a:ext cx="7315200" cy="1828800"/>
+          </a:xfrm>
+          <a:prstGeom prst="roundRect">
+            <a:avLst/>
+          </a:prstGeom>
+          <a:solidFill>
+            <a:srgbClr val="2A2A4A"/>
+          </a:solidFill>
+          <a:ln w="25400">
+            <a:solidFill>
+              <a:srgbClr val="667EEA"/>
+            </a:solidFill>
+            <a:prstDash val="solid"/>
+          </a:ln>
+        </p:spPr>
+      </p:sp>
+      <p:sp>
+        <p:nvSpPr>
+          <p:cNvPr id="8" name="Text 6"/>
+          <p:cNvSpPr/>
+          <p:nvPr/>
+        </p:nvSpPr>
+        <p:spPr>
+          <a:xfrm>
+            <a:off x="1097280" y="1371600"/>
+            <a:ext cx="457200" cy="731520"/>
+          </a:xfrm>
+          <a:prstGeom prst="rect">
+            <a:avLst/>
+          </a:prstGeom>
+          <a:noFill/>
+          <a:ln/>
+        </p:spPr>
+        <p:txBody>
+          <a:bodyPr wrap="square" rtlCol="0" anchor="ctr"/>
+          <a:lstStyle/>
+          <a:p>
+            <a:pPr indent="0" marL="0">
+              <a:buNone/>
+            </a:pPr>
+            <a:r>
+              <a:rPr lang="en-US" sz="4800" i="1" dirty="0">
+                <a:solidFill>
+                  <a:srgbClr val="667EEA"/>
+                </a:solidFill>
+                <a:latin typeface="Georgia" pitchFamily="34" charset="0"/>
+                <a:ea typeface="Georgia" pitchFamily="34" charset="-122"/>
+                <a:cs typeface="Georgia" pitchFamily="34" charset="-120"/>
+              </a:rPr>
+              <a:t>"</a:t>
+            </a:r>
+            <a:endParaRPr lang="en-US" sz="4800" dirty="0"/>
+          </a:p>
+        </p:txBody>
+      </p:sp>
+      <p:sp>
+        <p:nvSpPr>
+          <p:cNvPr id="9" name="Text 7"/>
+          <p:cNvSpPr/>
+          <p:nvPr/>
+        </p:nvSpPr>
+        <p:spPr>
+          <a:xfrm>
+            <a:off x="1371600" y="1737360"/>
+            <a:ext cx="6400800" cy="1097280"/>
+          </a:xfrm>
+          <a:prstGeom prst="rect">
+            <a:avLst/>
+          </a:prstGeom>
+          <a:noFill/>
+          <a:ln/>
+        </p:spPr>
+        <p:txBody>
+          <a:bodyPr wrap="square" rtlCol="0" anchor="ctr"/>
+          <a:lstStyle/>
+          <a:p>
+            <a:pPr algn="ctr" indent="0" marL="0">
+              <a:buNone/>
+            </a:pPr>
+            <a:r>
+              <a:rPr lang="en-US" sz="1600" i="1" dirty="0">
+                <a:solidFill>
+                  <a:srgbClr val="FFFFFF"/>
+                </a:solidFill>
+                <a:latin typeface="Arial" pitchFamily="34" charset="0"/>
+                <a:ea typeface="Arial" pitchFamily="34" charset="-122"/>
+                <a:cs typeface="Arial" pitchFamily="34" charset="-120"/>
+              </a:rPr>
+              <a:t>Você não é viciado em celular. Você é humano, com um cérebro que responde a estímulos. A diferença está em escolher conscientemente quais estímulos você permite entrar.</a:t>
+            </a:r>
+            <a:endParaRPr lang="en-US" sz="1600" dirty="0"/>
+          </a:p>
+        </p:txBody>
+      </p:sp>
+      <p:sp>
+        <p:nvSpPr>
+          <p:cNvPr id="10" name="Shape 8"/>
+          <p:cNvSpPr/>
+          <p:nvPr/>
+        </p:nvSpPr>
+        <p:spPr>
+          <a:xfrm>
+            <a:off x="0" y="3840480"/>
+            <a:ext cx="9144000" cy="822960"/>
+          </a:xfrm>
+          <a:prstGeom prst="rect">
+            <a:avLst/>
+          </a:prstGeom>
+          <a:solidFill>
+            <a:srgbClr val="0F172A"/>
+          </a:solidFill>
+          <a:ln/>
+        </p:spPr>
+      </p:sp>
+      <p:sp>
+        <p:nvSpPr>
+          <p:cNvPr id="11" name="Text 9"/>
+          <p:cNvSpPr/>
+          <p:nvPr/>
+        </p:nvSpPr>
+        <p:spPr>
+          <a:xfrm>
+            <a:off x="457200" y="3977640"/>
+            <a:ext cx="3657600" cy="274320"/>
+          </a:xfrm>
+          <a:prstGeom prst="rect">
+            <a:avLst/>
+          </a:prstGeom>
+          <a:noFill/>
+          <a:ln/>
+        </p:spPr>
+        <p:txBody>
+          <a:bodyPr wrap="square" rtlCol="0" anchor="ctr"/>
+          <a:lstStyle/>
+          <a:p>
+            <a:pPr indent="0" marL="0">
+              <a:buNone/>
+            </a:pPr>
+            <a:r>
+              <a:rPr lang="en-US" sz="1400" b="1" dirty="0">
+                <a:solidFill>
+                  <a:srgbClr val="22C55E"/>
+                </a:solidFill>
+                <a:latin typeface="Arial" pitchFamily="34" charset="0"/>
+                <a:ea typeface="Arial" pitchFamily="34" charset="-122"/>
+                <a:cs typeface="Arial" pitchFamily="34" charset="-120"/>
+              </a:rPr>
+              <a:t>Educa com Talento</a:t>
+            </a:r>
+            <a:endParaRPr lang="en-US" sz="1400" dirty="0"/>
+          </a:p>
+        </p:txBody>
+      </p:sp>
+      <p:sp>
+        <p:nvSpPr>
+          <p:cNvPr id="12" name="Text 10"/>
+          <p:cNvSpPr/>
+          <p:nvPr/>
+        </p:nvSpPr>
+        <p:spPr>
+          <a:xfrm>
+            <a:off x="457200" y="4251960"/>
+            <a:ext cx="3657600" cy="228600"/>
+          </a:xfrm>
+          <a:prstGeom prst="rect">
+            <a:avLst/>
+          </a:prstGeom>
+          <a:noFill/>
+          <a:ln/>
+        </p:spPr>
+        <p:txBody>
+          <a:bodyPr wrap="square" rtlCol="0" anchor="ctr"/>
+          <a:lstStyle/>
+          <a:p>
+            <a:pPr indent="0" marL="0">
+              <a:buNone/>
+            </a:pPr>
+            <a:r>
+              <a:rPr lang="en-US" sz="1000" dirty="0">
+                <a:solidFill>
+                  <a:srgbClr val="667EEA"/>
+                </a:solidFill>
+                <a:latin typeface="Arial" pitchFamily="34" charset="0"/>
+                <a:ea typeface="Arial" pitchFamily="34" charset="-122"/>
+                <a:cs typeface="Arial" pitchFamily="34" charset="-120"/>
+              </a:rPr>
+              <a:t>www.educacomtalento.com.br</a:t>
+            </a:r>
+            <a:endParaRPr lang="en-US" sz="1000" dirty="0"/>
+          </a:p>
+        </p:txBody>
+      </p:sp>
+      <p:pic>
+        <p:nvPicPr>
+          <p:cNvPr id="14" name="Image 0" descr="preencoded.png">    </p:cNvPr>
+          <p:cNvPicPr>
+            <a:picLocks noChangeAspect="1"/>
+          </p:cNvPicPr>
+          <p:nvPr/>
+        </p:nvPicPr>
+        <p:blipFill>
+          <a:blip r:embed="rId1"/>
+          <a:stretch>
+            <a:fillRect/>
+          </a:stretch>
+        </p:blipFill>
+        <p:spPr>
+          <a:xfrm>
+            <a:off x="6400800" y="3886200"/>
+            <a:ext cx="2286000" cy="914400"/>
           </a:xfrm>
           <a:prstGeom prst="rect">
             <a:avLst/>
@@ -2247,7 +2758,7 @@
                 <a:ea typeface="Arial" pitchFamily="34" charset="-122"/>
                 <a:cs typeface="Arial" pitchFamily="34" charset="-120"/>
               </a:rPr>
-              <a:t>Diferenciar os dois tipos de foco</a:t>
+              <a:t>Foco seduzido</a:t>
             </a:r>
             <a:endParaRPr lang="en-US" sz="1600" dirty="0"/>
           </a:p>
@@ -2370,7 +2881,7 @@
                 <a:ea typeface="Arial" pitchFamily="34" charset="-122"/>
                 <a:cs typeface="Arial" pitchFamily="34" charset="-120"/>
               </a:rPr>
-              <a:t>Entender o ciclo de dopamina</a:t>
+              <a:t>Foco direcionado</a:t>
             </a:r>
             <a:endParaRPr lang="en-US" sz="1600" dirty="0"/>
           </a:p>
@@ -2493,7 +3004,7 @@
                 <a:ea typeface="Arial" pitchFamily="34" charset="-122"/>
                 <a:cs typeface="Arial" pitchFamily="34" charset="-120"/>
               </a:rPr>
-              <a:t>Resetar o sistema de recompensa</a:t>
+              <a:t>O sistema de recompensa pode ser resetado</a:t>
             </a:r>
             <a:endParaRPr lang="en-US" sz="1600" dirty="0"/>
           </a:p>
@@ -2521,7 +3032,7 @@
       </p:sp>
       <p:pic>
         <p:nvPicPr>
-          <p:cNvPr id="17" name="Image 0" descr="preencoded.png">    </p:cNvPr>
+          <p:cNvPr id="18" name="Image 0" descr="preencoded.png">    </p:cNvPr>
           <p:cNvPicPr>
             <a:picLocks noChangeAspect="1"/>
           </p:cNvPicPr>
@@ -2707,7 +3218,7 @@
                 <a:ea typeface="Arial" pitchFamily="34" charset="-122"/>
                 <a:cs typeface="Arial" pitchFamily="34" charset="-120"/>
               </a:rPr>
-              <a:t>Foco Seduzido - O Vilão</a:t>
+              <a:t>Foco Seduzido - O vilão disfarçado</a:t>
             </a:r>
             <a:endParaRPr lang="en-US" sz="2000" dirty="0"/>
           </a:p>
@@ -2722,7 +3233,7 @@
         <p:spPr>
           <a:xfrm>
             <a:off x="457200" y="1097280"/>
-            <a:ext cx="8229600" cy="777240"/>
+            <a:ext cx="3931920" cy="777240"/>
           </a:xfrm>
           <a:prstGeom prst="roundRect">
             <a:avLst/>
@@ -2806,7 +3317,7 @@
         <p:spPr>
           <a:xfrm>
             <a:off x="960120" y="1325880"/>
-            <a:ext cx="7498080" cy="411480"/>
+            <a:ext cx="3200400" cy="411480"/>
           </a:xfrm>
           <a:prstGeom prst="rect">
             <a:avLst/>
@@ -2830,7 +3341,7 @@
                 <a:ea typeface="Arial" pitchFamily="34" charset="-122"/>
                 <a:cs typeface="Arial" pitchFamily="34" charset="-120"/>
               </a:rPr>
-              <a:t>Apps projetados para viciar</a:t>
+              <a:t>O que é foco seduzido</a:t>
             </a:r>
             <a:endParaRPr lang="en-US" sz="1400" dirty="0"/>
           </a:p>
@@ -2844,8 +3355,8 @@
         </p:nvSpPr>
         <p:spPr>
           <a:xfrm>
-            <a:off x="457200" y="2011680"/>
-            <a:ext cx="8229600" cy="777240"/>
+            <a:off x="4572000" y="1097280"/>
+            <a:ext cx="3931920" cy="777240"/>
           </a:xfrm>
           <a:prstGeom prst="roundRect">
             <a:avLst/>
@@ -2869,7 +3380,7 @@
         </p:nvSpPr>
         <p:spPr>
           <a:xfrm>
-            <a:off x="457200" y="2011680"/>
+            <a:off x="4572000" y="1097280"/>
             <a:ext cx="109728" cy="777240"/>
           </a:xfrm>
           <a:prstGeom prst="rect">
@@ -2889,7 +3400,7 @@
         </p:nvSpPr>
         <p:spPr>
           <a:xfrm>
-            <a:off x="685800" y="2240280"/>
+            <a:off x="4800600" y="1325880"/>
             <a:ext cx="274320" cy="320040"/>
           </a:xfrm>
           <a:prstGeom prst="rect">
@@ -2928,8 +3439,8 @@
         </p:nvSpPr>
         <p:spPr>
           <a:xfrm>
-            <a:off x="960120" y="2240280"/>
-            <a:ext cx="7498080" cy="411480"/>
+            <a:off x="5074920" y="1325880"/>
+            <a:ext cx="3200400" cy="411480"/>
           </a:xfrm>
           <a:prstGeom prst="rect">
             <a:avLst/>
@@ -2953,7 +3464,7 @@
                 <a:ea typeface="Arial" pitchFamily="34" charset="-122"/>
                 <a:cs typeface="Arial" pitchFamily="34" charset="-120"/>
               </a:rPr>
-              <a:t>Ciclo de dopamina fácil</a:t>
+              <a:t>Como apps e redes sociais sequestram atenção</a:t>
             </a:r>
             <a:endParaRPr lang="en-US" sz="1400" dirty="0"/>
           </a:p>
@@ -2967,8 +3478,8 @@
         </p:nvSpPr>
         <p:spPr>
           <a:xfrm>
-            <a:off x="457200" y="2926080"/>
-            <a:ext cx="8229600" cy="777240"/>
+            <a:off x="457200" y="2011680"/>
+            <a:ext cx="3931920" cy="777240"/>
           </a:xfrm>
           <a:prstGeom prst="roundRect">
             <a:avLst/>
@@ -2992,7 +3503,7 @@
         </p:nvSpPr>
         <p:spPr>
           <a:xfrm>
-            <a:off x="457200" y="2926080"/>
+            <a:off x="457200" y="2011680"/>
             <a:ext cx="109728" cy="777240"/>
           </a:xfrm>
           <a:prstGeom prst="rect">
@@ -3012,7 +3523,7 @@
         </p:nvSpPr>
         <p:spPr>
           <a:xfrm>
-            <a:off x="685800" y="3154680"/>
+            <a:off x="685800" y="2240280"/>
             <a:ext cx="274320" cy="320040"/>
           </a:xfrm>
           <a:prstGeom prst="rect">
@@ -3051,8 +3562,8 @@
         </p:nvSpPr>
         <p:spPr>
           <a:xfrm>
-            <a:off x="960120" y="3154680"/>
-            <a:ext cx="7498080" cy="411480"/>
+            <a:off x="960120" y="2240280"/>
+            <a:ext cx="3200400" cy="411480"/>
           </a:xfrm>
           <a:prstGeom prst="rect">
             <a:avLst/>
@@ -3076,7 +3587,7 @@
                 <a:ea typeface="Arial" pitchFamily="34" charset="-122"/>
                 <a:cs typeface="Arial" pitchFamily="34" charset="-120"/>
               </a:rPr>
-              <a:t>Prazer vazio e dependência</a:t>
+              <a:t>O ciclo de dopamina</a:t>
             </a:r>
             <a:endParaRPr lang="en-US" sz="1400" dirty="0"/>
           </a:p>
@@ -3090,41 +3601,16 @@
         </p:nvSpPr>
         <p:spPr>
           <a:xfrm>
-            <a:off x="8686800" y="4114800"/>
-            <a:ext cx="457200" cy="457200"/>
-          </a:xfrm>
-          <a:prstGeom prst="rect">
-            <a:avLst/>
-          </a:prstGeom>
-          <a:solidFill>
-            <a:srgbClr val="667EEA"/>
-          </a:solidFill>
-          <a:ln w="12700">
-            <a:solidFill>
-              <a:srgbClr val="000000"/>
-            </a:solidFill>
-            <a:prstDash val="solid"/>
-          </a:ln>
-        </p:spPr>
-      </p:sp>
-      <p:sp>
-        <p:nvSpPr>
-          <p:cNvPr id="20" name="Shape 18"/>
-          <p:cNvSpPr/>
-          <p:nvPr/>
-        </p:nvSpPr>
-        <p:spPr>
-          <a:xfrm>
-            <a:off x="8503920" y="4297680"/>
-            <a:ext cx="274320" cy="274320"/>
-          </a:xfrm>
-          <a:prstGeom prst="rect">
+            <a:off x="4572000" y="2011680"/>
+            <a:ext cx="3931920" cy="777240"/>
+          </a:xfrm>
+          <a:prstGeom prst="roundRect">
             <a:avLst/>
           </a:prstGeom>
           <a:solidFill>
             <a:srgbClr val="2A2A4A"/>
           </a:solidFill>
-          <a:ln w="12700">
+          <a:ln w="19050">
             <a:solidFill>
               <a:srgbClr val="667EEA"/>
             </a:solidFill>
@@ -3132,9 +3618,127 @@
           </a:ln>
         </p:spPr>
       </p:sp>
+      <p:sp>
+        <p:nvSpPr>
+          <p:cNvPr id="20" name="Shape 18"/>
+          <p:cNvSpPr/>
+          <p:nvPr/>
+        </p:nvSpPr>
+        <p:spPr>
+          <a:xfrm>
+            <a:off x="4572000" y="2011680"/>
+            <a:ext cx="109728" cy="777240"/>
+          </a:xfrm>
+          <a:prstGeom prst="rect">
+            <a:avLst/>
+          </a:prstGeom>
+          <a:solidFill>
+            <a:srgbClr val="667EEA"/>
+          </a:solidFill>
+          <a:ln/>
+        </p:spPr>
+      </p:sp>
+      <p:sp>
+        <p:nvSpPr>
+          <p:cNvPr id="21" name="Text 19"/>
+          <p:cNvSpPr/>
+          <p:nvPr/>
+        </p:nvSpPr>
+        <p:spPr>
+          <a:xfrm>
+            <a:off x="4800600" y="2240280"/>
+            <a:ext cx="274320" cy="320040"/>
+          </a:xfrm>
+          <a:prstGeom prst="rect">
+            <a:avLst/>
+          </a:prstGeom>
+          <a:noFill/>
+          <a:ln/>
+        </p:spPr>
+        <p:txBody>
+          <a:bodyPr wrap="square" rtlCol="0" anchor="ctr"/>
+          <a:lstStyle/>
+          <a:p>
+            <a:pPr indent="0" marL="0">
+              <a:buNone/>
+            </a:pPr>
+            <a:r>
+              <a:rPr lang="en-US" sz="1600" b="1" dirty="0">
+                <a:solidFill>
+                  <a:srgbClr val="667EEA"/>
+                </a:solidFill>
+                <a:latin typeface="Arial" pitchFamily="34" charset="0"/>
+                <a:ea typeface="Arial" pitchFamily="34" charset="-122"/>
+                <a:cs typeface="Arial" pitchFamily="34" charset="-120"/>
+              </a:rPr>
+              <a:t>▸</a:t>
+            </a:r>
+            <a:endParaRPr lang="en-US" sz="1600" dirty="0"/>
+          </a:p>
+        </p:txBody>
+      </p:sp>
+      <p:sp>
+        <p:nvSpPr>
+          <p:cNvPr id="22" name="Text 20"/>
+          <p:cNvSpPr/>
+          <p:nvPr/>
+        </p:nvSpPr>
+        <p:spPr>
+          <a:xfrm>
+            <a:off x="5074920" y="2240280"/>
+            <a:ext cx="3200400" cy="411480"/>
+          </a:xfrm>
+          <a:prstGeom prst="rect">
+            <a:avLst/>
+          </a:prstGeom>
+          <a:noFill/>
+          <a:ln/>
+        </p:spPr>
+        <p:txBody>
+          <a:bodyPr wrap="square" rtlCol="0" anchor="ctr"/>
+          <a:lstStyle/>
+          <a:p>
+            <a:pPr indent="0" marL="0">
+              <a:buNone/>
+            </a:pPr>
+            <a:r>
+              <a:rPr lang="en-US" sz="1400" dirty="0">
+                <a:solidFill>
+                  <a:srgbClr val="FFFFFF"/>
+                </a:solidFill>
+                <a:latin typeface="Arial" pitchFamily="34" charset="0"/>
+                <a:ea typeface="Arial" pitchFamily="34" charset="-122"/>
+                <a:cs typeface="Arial" pitchFamily="34" charset="-120"/>
+              </a:rPr>
+              <a:t>Por que parece tão fácil e é tão vazio</a:t>
+            </a:r>
+            <a:endParaRPr lang="en-US" sz="1400" dirty="0"/>
+          </a:p>
+        </p:txBody>
+      </p:sp>
+      <p:sp>
+        <p:nvSpPr>
+          <p:cNvPr id="23" name="Shape 21"/>
+          <p:cNvSpPr/>
+          <p:nvPr/>
+        </p:nvSpPr>
+        <p:spPr>
+          <a:xfrm>
+            <a:off x="8686800" y="4114800"/>
+            <a:ext cx="457200" cy="457200"/>
+          </a:xfrm>
+          <a:prstGeom prst="rect">
+            <a:avLst/>
+          </a:prstGeom>
+          <a:solidFill>
+            <a:srgbClr val="667EEA"/>
+          </a:solidFill>
+          <a:ln/>
+        </p:spPr>
+      </p:sp>
       <p:pic>
         <p:nvPicPr>
-          <p:cNvPr id="21" name="Image 0" descr="preencoded.png">    </p:cNvPr>
+          <p:cNvPr id="25" name="Image 0" descr="preencoded.png">    </p:cNvPr>
           <p:cNvPicPr>
             <a:picLocks noChangeAspect="1"/>
           </p:cNvPicPr>
@@ -3320,7 +3924,7 @@
                 <a:ea typeface="Arial" pitchFamily="34" charset="-122"/>
                 <a:cs typeface="Arial" pitchFamily="34" charset="-120"/>
               </a:rPr>
-              <a:t>Foco Direcionado - O Herói</a:t>
+              <a:t>Foco Direcionado - O herói da história</a:t>
             </a:r>
             <a:endParaRPr lang="en-US" sz="2000" dirty="0"/>
           </a:p>
@@ -3335,7 +3939,7 @@
         <p:spPr>
           <a:xfrm>
             <a:off x="457200" y="1097280"/>
-            <a:ext cx="8229600" cy="777240"/>
+            <a:ext cx="3931920" cy="777240"/>
           </a:xfrm>
           <a:prstGeom prst="roundRect">
             <a:avLst/>
@@ -3419,7 +4023,7 @@
         <p:spPr>
           <a:xfrm>
             <a:off x="960120" y="1325880"/>
-            <a:ext cx="7498080" cy="411480"/>
+            <a:ext cx="3200400" cy="411480"/>
           </a:xfrm>
           <a:prstGeom prst="rect">
             <a:avLst/>
@@ -3443,7 +4047,7 @@
                 <a:ea typeface="Arial" pitchFamily="34" charset="-122"/>
                 <a:cs typeface="Arial" pitchFamily="34" charset="-120"/>
               </a:rPr>
-              <a:t>Escolha consciente e intencional</a:t>
+              <a:t>O que é foco direcionado</a:t>
             </a:r>
             <a:endParaRPr lang="en-US" sz="1400" dirty="0"/>
           </a:p>
@@ -3457,8 +4061,8 @@
         </p:nvSpPr>
         <p:spPr>
           <a:xfrm>
-            <a:off x="457200" y="2011680"/>
-            <a:ext cx="8229600" cy="777240"/>
+            <a:off x="4572000" y="1097280"/>
+            <a:ext cx="3931920" cy="777240"/>
           </a:xfrm>
           <a:prstGeom prst="roundRect">
             <a:avLst/>
@@ -3482,7 +4086,7 @@
         </p:nvSpPr>
         <p:spPr>
           <a:xfrm>
-            <a:off x="457200" y="2011680"/>
+            <a:off x="4572000" y="1097280"/>
             <a:ext cx="109728" cy="777240"/>
           </a:xfrm>
           <a:prstGeom prst="rect">
@@ -3502,7 +4106,7 @@
         </p:nvSpPr>
         <p:spPr>
           <a:xfrm>
-            <a:off x="685800" y="2240280"/>
+            <a:off x="4800600" y="1325880"/>
             <a:ext cx="274320" cy="320040"/>
           </a:xfrm>
           <a:prstGeom prst="rect">
@@ -3541,8 +4145,8 @@
         </p:nvSpPr>
         <p:spPr>
           <a:xfrm>
-            <a:off x="960120" y="2240280"/>
-            <a:ext cx="7498080" cy="411480"/>
+            <a:off x="5074920" y="1325880"/>
+            <a:ext cx="3200400" cy="411480"/>
           </a:xfrm>
           <a:prstGeom prst="rect">
             <a:avLst/>
@@ -3566,7 +4170,7 @@
                 <a:ea typeface="Arial" pitchFamily="34" charset="-122"/>
                 <a:cs typeface="Arial" pitchFamily="34" charset="-120"/>
               </a:rPr>
-              <a:t>Esforço inicial maior</a:t>
+              <a:t>Por que é mais difícil no início</a:t>
             </a:r>
             <a:endParaRPr lang="en-US" sz="1400" dirty="0"/>
           </a:p>
@@ -3580,8 +4184,8 @@
         </p:nvSpPr>
         <p:spPr>
           <a:xfrm>
-            <a:off x="457200" y="2926080"/>
-            <a:ext cx="8229600" cy="777240"/>
+            <a:off x="457200" y="2011680"/>
+            <a:ext cx="3931920" cy="777240"/>
           </a:xfrm>
           <a:prstGeom prst="roundRect">
             <a:avLst/>
@@ -3605,7 +4209,7 @@
         </p:nvSpPr>
         <p:spPr>
           <a:xfrm>
-            <a:off x="457200" y="2926080"/>
+            <a:off x="457200" y="2011680"/>
             <a:ext cx="109728" cy="777240"/>
           </a:xfrm>
           <a:prstGeom prst="rect">
@@ -3625,7 +4229,7 @@
         </p:nvSpPr>
         <p:spPr>
           <a:xfrm>
-            <a:off x="685800" y="3154680"/>
+            <a:off x="685800" y="2240280"/>
             <a:ext cx="274320" cy="320040"/>
           </a:xfrm>
           <a:prstGeom prst="rect">
@@ -3664,8 +4268,8 @@
         </p:nvSpPr>
         <p:spPr>
           <a:xfrm>
-            <a:off x="960120" y="3154680"/>
-            <a:ext cx="7498080" cy="411480"/>
+            <a:off x="960120" y="2240280"/>
+            <a:ext cx="3200400" cy="411480"/>
           </a:xfrm>
           <a:prstGeom prst="rect">
             <a:avLst/>
@@ -3689,7 +4293,7 @@
                 <a:ea typeface="Arial" pitchFamily="34" charset="-122"/>
                 <a:cs typeface="Arial" pitchFamily="34" charset="-120"/>
               </a:rPr>
-              <a:t>Satisfação profunda e duradoura</a:t>
+              <a:t>A recompensa genuína</a:t>
             </a:r>
             <a:endParaRPr lang="en-US" sz="1400" dirty="0"/>
           </a:p>
@@ -3703,41 +4307,16 @@
         </p:nvSpPr>
         <p:spPr>
           <a:xfrm>
-            <a:off x="8686800" y="4114800"/>
-            <a:ext cx="457200" cy="457200"/>
-          </a:xfrm>
-          <a:prstGeom prst="rect">
-            <a:avLst/>
-          </a:prstGeom>
-          <a:solidFill>
-            <a:srgbClr val="22C55E"/>
-          </a:solidFill>
-          <a:ln w="12700">
-            <a:solidFill>
-              <a:srgbClr val="000000"/>
-            </a:solidFill>
-            <a:prstDash val="solid"/>
-          </a:ln>
-        </p:spPr>
-      </p:sp>
-      <p:sp>
-        <p:nvSpPr>
-          <p:cNvPr id="20" name="Shape 18"/>
-          <p:cNvSpPr/>
-          <p:nvPr/>
-        </p:nvSpPr>
-        <p:spPr>
-          <a:xfrm>
-            <a:off x="8503920" y="4297680"/>
-            <a:ext cx="274320" cy="274320"/>
-          </a:xfrm>
-          <a:prstGeom prst="rect">
+            <a:off x="4572000" y="2011680"/>
+            <a:ext cx="3931920" cy="777240"/>
+          </a:xfrm>
+          <a:prstGeom prst="roundRect">
             <a:avLst/>
           </a:prstGeom>
           <a:solidFill>
             <a:srgbClr val="2A2A4A"/>
           </a:solidFill>
-          <a:ln w="12700">
+          <a:ln w="19050">
             <a:solidFill>
               <a:srgbClr val="22C55E"/>
             </a:solidFill>
@@ -3745,9 +4324,127 @@
           </a:ln>
         </p:spPr>
       </p:sp>
+      <p:sp>
+        <p:nvSpPr>
+          <p:cNvPr id="20" name="Shape 18"/>
+          <p:cNvSpPr/>
+          <p:nvPr/>
+        </p:nvSpPr>
+        <p:spPr>
+          <a:xfrm>
+            <a:off x="4572000" y="2011680"/>
+            <a:ext cx="109728" cy="777240"/>
+          </a:xfrm>
+          <a:prstGeom prst="rect">
+            <a:avLst/>
+          </a:prstGeom>
+          <a:solidFill>
+            <a:srgbClr val="22C55E"/>
+          </a:solidFill>
+          <a:ln/>
+        </p:spPr>
+      </p:sp>
+      <p:sp>
+        <p:nvSpPr>
+          <p:cNvPr id="21" name="Text 19"/>
+          <p:cNvSpPr/>
+          <p:nvPr/>
+        </p:nvSpPr>
+        <p:spPr>
+          <a:xfrm>
+            <a:off x="4800600" y="2240280"/>
+            <a:ext cx="274320" cy="320040"/>
+          </a:xfrm>
+          <a:prstGeom prst="rect">
+            <a:avLst/>
+          </a:prstGeom>
+          <a:noFill/>
+          <a:ln/>
+        </p:spPr>
+        <p:txBody>
+          <a:bodyPr wrap="square" rtlCol="0" anchor="ctr"/>
+          <a:lstStyle/>
+          <a:p>
+            <a:pPr indent="0" marL="0">
+              <a:buNone/>
+            </a:pPr>
+            <a:r>
+              <a:rPr lang="en-US" sz="1600" b="1" dirty="0">
+                <a:solidFill>
+                  <a:srgbClr val="22C55E"/>
+                </a:solidFill>
+                <a:latin typeface="Arial" pitchFamily="34" charset="0"/>
+                <a:ea typeface="Arial" pitchFamily="34" charset="-122"/>
+                <a:cs typeface="Arial" pitchFamily="34" charset="-120"/>
+              </a:rPr>
+              <a:t>▸</a:t>
+            </a:r>
+            <a:endParaRPr lang="en-US" sz="1600" dirty="0"/>
+          </a:p>
+        </p:txBody>
+      </p:sp>
+      <p:sp>
+        <p:nvSpPr>
+          <p:cNvPr id="22" name="Text 20"/>
+          <p:cNvSpPr/>
+          <p:nvPr/>
+        </p:nvSpPr>
+        <p:spPr>
+          <a:xfrm>
+            <a:off x="5074920" y="2240280"/>
+            <a:ext cx="3200400" cy="411480"/>
+          </a:xfrm>
+          <a:prstGeom prst="rect">
+            <a:avLst/>
+          </a:prstGeom>
+          <a:noFill/>
+          <a:ln/>
+        </p:spPr>
+        <p:txBody>
+          <a:bodyPr wrap="square" rtlCol="0" anchor="ctr"/>
+          <a:lstStyle/>
+          <a:p>
+            <a:pPr indent="0" marL="0">
+              <a:buNone/>
+            </a:pPr>
+            <a:r>
+              <a:rPr lang="en-US" sz="1400" dirty="0">
+                <a:solidFill>
+                  <a:srgbClr val="FFFFFF"/>
+                </a:solidFill>
+                <a:latin typeface="Arial" pitchFamily="34" charset="0"/>
+                <a:ea typeface="Arial" pitchFamily="34" charset="-122"/>
+                <a:cs typeface="Arial" pitchFamily="34" charset="-120"/>
+              </a:rPr>
+              <a:t>A satisfação profunda</a:t>
+            </a:r>
+            <a:endParaRPr lang="en-US" sz="1400" dirty="0"/>
+          </a:p>
+        </p:txBody>
+      </p:sp>
+      <p:sp>
+        <p:nvSpPr>
+          <p:cNvPr id="23" name="Shape 21"/>
+          <p:cNvSpPr/>
+          <p:nvPr/>
+        </p:nvSpPr>
+        <p:spPr>
+          <a:xfrm>
+            <a:off x="8686800" y="4114800"/>
+            <a:ext cx="457200" cy="457200"/>
+          </a:xfrm>
+          <a:prstGeom prst="rect">
+            <a:avLst/>
+          </a:prstGeom>
+          <a:solidFill>
+            <a:srgbClr val="22C55E"/>
+          </a:solidFill>
+          <a:ln/>
+        </p:spPr>
+      </p:sp>
       <p:pic>
         <p:nvPicPr>
-          <p:cNvPr id="21" name="Image 0" descr="preencoded.png">    </p:cNvPr>
+          <p:cNvPr id="25" name="Image 0" descr="preencoded.png">    </p:cNvPr>
           <p:cNvPicPr>
             <a:picLocks noChangeAspect="1"/>
           </p:cNvPicPr>
@@ -3933,7 +4630,7 @@
                 <a:ea typeface="Arial" pitchFamily="34" charset="-122"/>
                 <a:cs typeface="Arial" pitchFamily="34" charset="-120"/>
               </a:rPr>
-              <a:t>A Neurociência</a:t>
+              <a:t>A neurociência por trás</a:t>
             </a:r>
             <a:endParaRPr lang="en-US" sz="2000" dirty="0"/>
           </a:p>
@@ -4056,7 +4753,7 @@
                 <a:ea typeface="Arial" pitchFamily="34" charset="-122"/>
                 <a:cs typeface="Arial" pitchFamily="34" charset="-120"/>
               </a:rPr>
-              <a:t>Dopamina fácil vs. de conquista</a:t>
+              <a:t>Dopamina fácil vs. dopamina de conquista</a:t>
             </a:r>
             <a:endParaRPr lang="en-US" sz="1400" dirty="0"/>
           </a:p>
@@ -4179,7 +4876,7 @@
                 <a:ea typeface="Arial" pitchFamily="34" charset="-122"/>
                 <a:cs typeface="Arial" pitchFamily="34" charset="-120"/>
               </a:rPr>
-              <a:t>Reset do sistema de recompensa</a:t>
+              <a:t>O cérebro de recompensa</a:t>
             </a:r>
             <a:endParaRPr lang="en-US" sz="1400" dirty="0"/>
           </a:p>
@@ -4302,7 +4999,7 @@
                 <a:ea typeface="Arial" pitchFamily="34" charset="-122"/>
                 <a:cs typeface="Arial" pitchFamily="34" charset="-120"/>
               </a:rPr>
-              <a:t>Recalibragem em semanas</a:t>
+              <a:t>Reset do sistema de recompensa</a:t>
             </a:r>
             <a:endParaRPr lang="en-US" sz="1400" dirty="0"/>
           </a:p>
@@ -4325,37 +5022,7 @@
           <a:solidFill>
             <a:srgbClr val="3B82F6"/>
           </a:solidFill>
-          <a:ln w="12700">
-            <a:solidFill>
-              <a:srgbClr val="000000"/>
-            </a:solidFill>
-            <a:prstDash val="solid"/>
-          </a:ln>
-        </p:spPr>
-      </p:sp>
-      <p:sp>
-        <p:nvSpPr>
-          <p:cNvPr id="20" name="Shape 18"/>
-          <p:cNvSpPr/>
-          <p:nvPr/>
-        </p:nvSpPr>
-        <p:spPr>
-          <a:xfrm>
-            <a:off x="8503920" y="4297680"/>
-            <a:ext cx="274320" cy="274320"/>
-          </a:xfrm>
-          <a:prstGeom prst="rect">
-            <a:avLst/>
-          </a:prstGeom>
-          <a:solidFill>
-            <a:srgbClr val="2A2A4A"/>
-          </a:solidFill>
-          <a:ln w="12700">
-            <a:solidFill>
-              <a:srgbClr val="3B82F6"/>
-            </a:solidFill>
-            <a:prstDash val="solid"/>
-          </a:ln>
+          <a:ln/>
         </p:spPr>
       </p:sp>
       <p:pic>
@@ -4546,7 +5213,7 @@
                 <a:ea typeface="Arial" pitchFamily="34" charset="-122"/>
                 <a:cs typeface="Arial" pitchFamily="34" charset="-120"/>
               </a:rPr>
-              <a:t>Estratégias Práticas</a:t>
+              <a:t>Estratégias para cultivar o foco direcionado</a:t>
             </a:r>
             <a:endParaRPr lang="en-US" sz="2000" dirty="0"/>
           </a:p>
@@ -4669,7 +5336,7 @@
                 <a:ea typeface="Arial" pitchFamily="34" charset="-122"/>
                 <a:cs typeface="Arial" pitchFamily="34" charset="-120"/>
               </a:rPr>
-              <a:t>Reduzir exposição ao seduzido</a:t>
+              <a:t>Reduzir exposição ao foco seduzido</a:t>
             </a:r>
             <a:endParaRPr lang="en-US" sz="1400" dirty="0"/>
           </a:p>
@@ -4792,7 +5459,7 @@
                 <a:ea typeface="Arial" pitchFamily="34" charset="-122"/>
                 <a:cs typeface="Arial" pitchFamily="34" charset="-120"/>
               </a:rPr>
-              <a:t>Tornar o direcionado atrativo</a:t>
+              <a:t>Tornar o foco direcionado mais atrativo</a:t>
             </a:r>
             <a:endParaRPr lang="en-US" sz="1400" dirty="0"/>
           </a:p>
@@ -4938,37 +5605,7 @@
           <a:solidFill>
             <a:srgbClr val="9333EA"/>
           </a:solidFill>
-          <a:ln w="12700">
-            <a:solidFill>
-              <a:srgbClr val="000000"/>
-            </a:solidFill>
-            <a:prstDash val="solid"/>
-          </a:ln>
-        </p:spPr>
-      </p:sp>
-      <p:sp>
-        <p:nvSpPr>
-          <p:cNvPr id="20" name="Shape 18"/>
-          <p:cNvSpPr/>
-          <p:nvPr/>
-        </p:nvSpPr>
-        <p:spPr>
-          <a:xfrm>
-            <a:off x="8503920" y="4297680"/>
-            <a:ext cx="274320" cy="274320"/>
-          </a:xfrm>
-          <a:prstGeom prst="rect">
-            <a:avLst/>
-          </a:prstGeom>
-          <a:solidFill>
-            <a:srgbClr val="2A2A4A"/>
-          </a:solidFill>
-          <a:ln w="12700">
-            <a:solidFill>
-              <a:srgbClr val="9333EA"/>
-            </a:solidFill>
-            <a:prstDash val="solid"/>
-          </a:ln>
+          <a:ln/>
         </p:spPr>
       </p:sp>
       <p:pic>
@@ -5243,7 +5880,7 @@
                 <a:ea typeface="Arial" pitchFamily="34" charset="-122"/>
                 <a:cs typeface="Arial" pitchFamily="34" charset="-120"/>
               </a:rPr>
-              <a:t>Foco seduzido = capturado por estímulos, prazer vazio</a:t>
+              <a:t>Foco seduzido = capturado por estímulos, prazer vazio, dependência</a:t>
             </a:r>
             <a:endParaRPr lang="en-US" sz="1400" dirty="0"/>
           </a:p>
@@ -5366,7 +6003,7 @@
                 <a:ea typeface="Arial" pitchFamily="34" charset="-122"/>
                 <a:cs typeface="Arial" pitchFamily="34" charset="-120"/>
               </a:rPr>
-              <a:t>Foco direcionado = escolhido, satisfação real</a:t>
+              <a:t>Foco direcionado = escolha consciente, esforço recompensado, satisfação profunda</a:t>
             </a:r>
             <a:endParaRPr lang="en-US" sz="1400" dirty="0"/>
           </a:p>
@@ -5489,7 +6126,7 @@
                 <a:ea typeface="Arial" pitchFamily="34" charset="-122"/>
                 <a:cs typeface="Arial" pitchFamily="34" charset="-120"/>
               </a:rPr>
-              <a:t>Sistema de recompensa pode ser resetado</a:t>
+              <a:t>O sistema de recompensa pode ser resetado</a:t>
             </a:r>
             <a:endParaRPr lang="en-US" sz="1400" dirty="0"/>
           </a:p>
@@ -5612,7 +6249,7 @@
                 <a:ea typeface="Arial" pitchFamily="34" charset="-122"/>
                 <a:cs typeface="Arial" pitchFamily="34" charset="-120"/>
               </a:rPr>
-              <a:t>A escolha é sua a cada momento</a:t>
+              <a:t>Estratégias: reduzir, tornar atrativo, criar rituais</a:t>
             </a:r>
             <a:endParaRPr lang="en-US" sz="1400" dirty="0"/>
           </a:p>
@@ -5620,7 +6257,7 @@
       </p:sp>
       <p:pic>
         <p:nvPicPr>
-          <p:cNvPr id="22" name="Image 0" descr="preencoded.png">    </p:cNvPr>
+          <p:cNvPr id="23" name="Image 0" descr="preencoded.png">    </p:cNvPr>
           <p:cNvPicPr>
             <a:picLocks noChangeAspect="1"/>
           </p:cNvPicPr>
@@ -5727,67 +6364,46 @@
                 <a:ea typeface="Arial" pitchFamily="34" charset="-122"/>
                 <a:cs typeface="Arial" pitchFamily="34" charset="-120"/>
               </a:rPr>
-              <a:t>📝 Atividade Prática</a:t>
+              <a:t>📊 Infográfico da Aula</a:t>
             </a:r>
             <a:endParaRPr lang="en-US" sz="2000" dirty="0"/>
           </a:p>
         </p:txBody>
       </p:sp>
-      <p:sp>
-        <p:nvSpPr>
-          <p:cNvPr id="4" name="Shape 2"/>
-          <p:cNvSpPr/>
-          <p:nvPr/>
-        </p:nvSpPr>
-        <p:spPr>
-          <a:xfrm>
-            <a:off x="457200" y="1005840"/>
-            <a:ext cx="8229600" cy="2560320"/>
-          </a:xfrm>
-          <a:prstGeom prst="roundRect">
-            <a:avLst/>
-          </a:prstGeom>
-          <a:solidFill>
-            <a:srgbClr val="2A2A4A"/>
-          </a:solidFill>
-          <a:ln w="38100">
-            <a:solidFill>
-              <a:srgbClr val="22C55E"/>
-            </a:solidFill>
-            <a:prstDash val="solid"/>
-          </a:ln>
-        </p:spPr>
-      </p:sp>
-      <p:sp>
-        <p:nvSpPr>
-          <p:cNvPr id="5" name="Shape 3"/>
-          <p:cNvSpPr/>
-          <p:nvPr/>
-        </p:nvSpPr>
-        <p:spPr>
-          <a:xfrm>
-            <a:off x="731520" y="1280160"/>
-            <a:ext cx="731520" cy="731520"/>
-          </a:xfrm>
-          <a:prstGeom prst="ellipse">
-            <a:avLst/>
-          </a:prstGeom>
-          <a:solidFill>
-            <a:srgbClr val="22C55E"/>
-          </a:solidFill>
-          <a:ln/>
-        </p:spPr>
-      </p:sp>
-      <p:sp>
-        <p:nvSpPr>
-          <p:cNvPr id="6" name="Text 4"/>
-          <p:cNvSpPr/>
-          <p:nvPr/>
-        </p:nvSpPr>
-        <p:spPr>
-          <a:xfrm>
-            <a:off x="731520" y="1371600"/>
-            <a:ext cx="731520" cy="548640"/>
+      <p:pic>
+        <p:nvPicPr>
+          <p:cNvPr id="4" name="Image 0" descr="preencoded.png">    </p:cNvPr>
+          <p:cNvPicPr>
+            <a:picLocks noChangeAspect="1"/>
+          </p:cNvPicPr>
+          <p:nvPr/>
+        </p:nvPicPr>
+        <p:blipFill>
+          <a:blip r:embed="rId1"/>
+          <a:stretch>
+            <a:fillRect/>
+          </a:stretch>
+        </p:blipFill>
+        <p:spPr>
+          <a:xfrm>
+            <a:off x="274320" y="914400"/>
+            <a:ext cx="5486400" cy="3383280"/>
+          </a:xfrm>
+          <a:prstGeom prst="rect">
+            <a:avLst/>
+          </a:prstGeom>
+        </p:spPr>
+      </p:pic>
+      <p:sp>
+        <p:nvSpPr>
+          <p:cNvPr id="5" name="Text 2"/>
+          <p:cNvSpPr/>
+          <p:nvPr/>
+        </p:nvSpPr>
+        <p:spPr>
+          <a:xfrm>
+            <a:off x="5943600" y="914400"/>
+            <a:ext cx="3017520" cy="365760"/>
           </a:xfrm>
           <a:prstGeom prst="rect">
             <a:avLst/>
@@ -5799,73 +6415,113 @@
           <a:bodyPr wrap="square" rtlCol="0" anchor="ctr"/>
           <a:lstStyle/>
           <a:p>
-            <a:pPr algn="ctr" indent="0" marL="0">
-              <a:buNone/>
-            </a:pPr>
-            <a:r>
-              <a:rPr lang="en-US" sz="2800" b="1" dirty="0">
-                <a:solidFill>
-                  <a:srgbClr val="FFFFFF"/>
+            <a:pPr indent="0" marL="0">
+              <a:buNone/>
+            </a:pPr>
+            <a:r>
+              <a:rPr lang="en-US" sz="1200" b="1" dirty="0">
+                <a:solidFill>
+                  <a:srgbClr val="22C55E"/>
                 </a:solidFill>
                 <a:latin typeface="Arial" pitchFamily="34" charset="0"/>
                 <a:ea typeface="Arial" pitchFamily="34" charset="-122"/>
                 <a:cs typeface="Arial" pitchFamily="34" charset="-120"/>
               </a:rPr>
-              <a:t>!</a:t>
-            </a:r>
-            <a:endParaRPr lang="en-US" sz="2800" dirty="0"/>
-          </a:p>
-        </p:txBody>
-      </p:sp>
-      <p:sp>
-        <p:nvSpPr>
-          <p:cNvPr id="7" name="Text 5"/>
-          <p:cNvSpPr/>
-          <p:nvPr/>
-        </p:nvSpPr>
-        <p:spPr>
-          <a:xfrm>
-            <a:off x="1645920" y="1280160"/>
-            <a:ext cx="6858000" cy="457200"/>
-          </a:xfrm>
-          <a:prstGeom prst="rect">
-            <a:avLst/>
-          </a:prstGeom>
-          <a:noFill/>
-          <a:ln/>
-        </p:spPr>
-        <p:txBody>
-          <a:bodyPr wrap="square" rtlCol="0" anchor="ctr"/>
+              <a:t>Conceitos Principais:</a:t>
+            </a:r>
+            <a:endParaRPr lang="en-US" sz="1200" dirty="0"/>
+          </a:p>
+        </p:txBody>
+      </p:sp>
+      <p:sp>
+        <p:nvSpPr>
+          <p:cNvPr id="6" name="Shape 3"/>
+          <p:cNvSpPr/>
+          <p:nvPr/>
+        </p:nvSpPr>
+        <p:spPr>
+          <a:xfrm>
+            <a:off x="5943600" y="1371600"/>
+            <a:ext cx="228600" cy="228600"/>
+          </a:xfrm>
+          <a:prstGeom prst="ellipse">
+            <a:avLst/>
+          </a:prstGeom>
+          <a:solidFill>
+            <a:srgbClr val="667EEA"/>
+          </a:solidFill>
+          <a:ln/>
+        </p:spPr>
+      </p:sp>
+      <p:sp>
+        <p:nvSpPr>
+          <p:cNvPr id="7" name="Text 4"/>
+          <p:cNvSpPr/>
+          <p:nvPr/>
+        </p:nvSpPr>
+        <p:spPr>
+          <a:xfrm>
+            <a:off x="6309360" y="1325880"/>
+            <a:ext cx="2560320" cy="731520"/>
+          </a:xfrm>
+          <a:prstGeom prst="rect">
+            <a:avLst/>
+          </a:prstGeom>
+          <a:noFill/>
+          <a:ln/>
+        </p:spPr>
+        <p:txBody>
+          <a:bodyPr wrap="square" rtlCol="0" anchor="t"/>
           <a:lstStyle/>
           <a:p>
             <a:pPr indent="0" marL="0">
               <a:buNone/>
             </a:pPr>
             <a:r>
-              <a:rPr lang="en-US" sz="1600" b="1" dirty="0">
-                <a:solidFill>
-                  <a:srgbClr val="22C55E"/>
+              <a:rPr lang="en-US" sz="1000" dirty="0">
+                <a:solidFill>
+                  <a:srgbClr val="FFFFFF"/>
                 </a:solidFill>
                 <a:latin typeface="Arial" pitchFamily="34" charset="0"/>
                 <a:ea typeface="Arial" pitchFamily="34" charset="-122"/>
                 <a:cs typeface="Arial" pitchFamily="34" charset="-120"/>
               </a:rPr>
-              <a:t>Sua Missão:</a:t>
-            </a:r>
-            <a:endParaRPr lang="en-US" sz="1600" dirty="0"/>
-          </a:p>
-        </p:txBody>
-      </p:sp>
-      <p:sp>
-        <p:nvSpPr>
-          <p:cNvPr id="8" name="Text 6"/>
-          <p:cNvSpPr/>
-          <p:nvPr/>
-        </p:nvSpPr>
-        <p:spPr>
-          <a:xfrm>
-            <a:off x="1645920" y="1737360"/>
-            <a:ext cx="6766560" cy="1645920"/>
+              <a:t>Foco seduzido = capturado por estímulos, prazer vazio, dependência</a:t>
+            </a:r>
+            <a:endParaRPr lang="en-US" sz="1000" dirty="0"/>
+          </a:p>
+        </p:txBody>
+      </p:sp>
+      <p:sp>
+        <p:nvSpPr>
+          <p:cNvPr id="8" name="Shape 5"/>
+          <p:cNvSpPr/>
+          <p:nvPr/>
+        </p:nvSpPr>
+        <p:spPr>
+          <a:xfrm>
+            <a:off x="5943600" y="2148840"/>
+            <a:ext cx="228600" cy="228600"/>
+          </a:xfrm>
+          <a:prstGeom prst="ellipse">
+            <a:avLst/>
+          </a:prstGeom>
+          <a:solidFill>
+            <a:srgbClr val="667EEA"/>
+          </a:solidFill>
+          <a:ln/>
+        </p:spPr>
+      </p:sp>
+      <p:sp>
+        <p:nvSpPr>
+          <p:cNvPr id="9" name="Text 6"/>
+          <p:cNvSpPr/>
+          <p:nvPr/>
+        </p:nvSpPr>
+        <p:spPr>
+          <a:xfrm>
+            <a:off x="6309360" y="2103120"/>
+            <a:ext cx="2560320" cy="731520"/>
           </a:xfrm>
           <a:prstGeom prst="rect">
             <a:avLst/>
@@ -5881,7 +6537,7 @@
               <a:buNone/>
             </a:pPr>
             <a:r>
-              <a:rPr lang="en-US" sz="1400" dirty="0">
+              <a:rPr lang="en-US" sz="1000" dirty="0">
                 <a:solidFill>
                   <a:srgbClr val="FFFFFF"/>
                 </a:solidFill>
@@ -5889,22 +6545,58 @@
                 <a:ea typeface="Arial" pitchFamily="34" charset="-122"/>
                 <a:cs typeface="Arial" pitchFamily="34" charset="-120"/>
               </a:rPr>
-              <a:t>Detox de Dopamina - 24 horas:</a:t>
-            </a:r>
-            <a:endParaRPr lang="en-US" sz="1400" dirty="0"/>
-          </a:p>
+              <a:t>Foco direcionado = escolha consciente, esforço recompensado, satisfação profunda</a:t>
+            </a:r>
+            <a:endParaRPr lang="en-US" sz="1000" dirty="0"/>
+          </a:p>
+        </p:txBody>
+      </p:sp>
+      <p:sp>
+        <p:nvSpPr>
+          <p:cNvPr id="10" name="Shape 7"/>
+          <p:cNvSpPr/>
+          <p:nvPr/>
+        </p:nvSpPr>
+        <p:spPr>
+          <a:xfrm>
+            <a:off x="5943600" y="2926080"/>
+            <a:ext cx="228600" cy="228600"/>
+          </a:xfrm>
+          <a:prstGeom prst="ellipse">
+            <a:avLst/>
+          </a:prstGeom>
+          <a:solidFill>
+            <a:srgbClr val="667EEA"/>
+          </a:solidFill>
+          <a:ln/>
+        </p:spPr>
+      </p:sp>
+      <p:sp>
+        <p:nvSpPr>
+          <p:cNvPr id="11" name="Text 8"/>
+          <p:cNvSpPr/>
+          <p:nvPr/>
+        </p:nvSpPr>
+        <p:spPr>
+          <a:xfrm>
+            <a:off x="6309360" y="2880360"/>
+            <a:ext cx="2560320" cy="731520"/>
+          </a:xfrm>
+          <a:prstGeom prst="rect">
+            <a:avLst/>
+          </a:prstGeom>
+          <a:noFill/>
+          <a:ln/>
+        </p:spPr>
+        <p:txBody>
+          <a:bodyPr wrap="square" rtlCol="0" anchor="t"/>
+          <a:lstStyle/>
           <a:p>
             <a:pPr indent="0" marL="0">
               <a:buNone/>
             </a:pPr>
-            <a:endParaRPr lang="en-US" sz="1400" dirty="0"/>
-          </a:p>
-          <a:p>
-            <a:pPr indent="0" marL="0">
-              <a:buNone/>
-            </a:pPr>
-            <a:r>
-              <a:rPr lang="en-US" sz="1400" dirty="0">
+            <a:r>
+              <a:rPr lang="en-US" sz="1000" dirty="0">
                 <a:solidFill>
                   <a:srgbClr val="FFFFFF"/>
                 </a:solidFill>
@@ -5912,16 +6604,58 @@
                 <a:ea typeface="Arial" pitchFamily="34" charset="-122"/>
                 <a:cs typeface="Arial" pitchFamily="34" charset="-120"/>
               </a:rPr>
-              <a:t>1. Escolha um dia para o experimento</a:t>
-            </a:r>
-            <a:endParaRPr lang="en-US" sz="1400" dirty="0"/>
-          </a:p>
+              <a:t>O sistema de recompensa pode ser resetado</a:t>
+            </a:r>
+            <a:endParaRPr lang="en-US" sz="1000" dirty="0"/>
+          </a:p>
+        </p:txBody>
+      </p:sp>
+      <p:sp>
+        <p:nvSpPr>
+          <p:cNvPr id="12" name="Shape 9"/>
+          <p:cNvSpPr/>
+          <p:nvPr/>
+        </p:nvSpPr>
+        <p:spPr>
+          <a:xfrm>
+            <a:off x="5943600" y="3703320"/>
+            <a:ext cx="228600" cy="228600"/>
+          </a:xfrm>
+          <a:prstGeom prst="ellipse">
+            <a:avLst/>
+          </a:prstGeom>
+          <a:solidFill>
+            <a:srgbClr val="667EEA"/>
+          </a:solidFill>
+          <a:ln/>
+        </p:spPr>
+      </p:sp>
+      <p:sp>
+        <p:nvSpPr>
+          <p:cNvPr id="13" name="Text 10"/>
+          <p:cNvSpPr/>
+          <p:nvPr/>
+        </p:nvSpPr>
+        <p:spPr>
+          <a:xfrm>
+            <a:off x="6309360" y="3657600"/>
+            <a:ext cx="2560320" cy="731520"/>
+          </a:xfrm>
+          <a:prstGeom prst="rect">
+            <a:avLst/>
+          </a:prstGeom>
+          <a:noFill/>
+          <a:ln/>
+        </p:spPr>
+        <p:txBody>
+          <a:bodyPr wrap="square" rtlCol="0" anchor="t"/>
+          <a:lstStyle/>
           <a:p>
             <a:pPr indent="0" marL="0">
               <a:buNone/>
             </a:pPr>
             <a:r>
-              <a:rPr lang="en-US" sz="1400" dirty="0">
+              <a:rPr lang="en-US" sz="1000" dirty="0">
                 <a:solidFill>
                   <a:srgbClr val="FFFFFF"/>
                 </a:solidFill>
@@ -5929,137 +6663,22 @@
                 <a:ea typeface="Arial" pitchFamily="34" charset="-122"/>
                 <a:cs typeface="Arial" pitchFamily="34" charset="-120"/>
               </a:rPr>
-              <a:t>2. ZERO: redes sociais, vídeos, jogos</a:t>
-            </a:r>
-            <a:endParaRPr lang="en-US" sz="1400" dirty="0"/>
-          </a:p>
-          <a:p>
-            <a:pPr indent="0" marL="0">
-              <a:buNone/>
-            </a:pPr>
-            <a:r>
-              <a:rPr lang="en-US" sz="1400" dirty="0">
-                <a:solidFill>
-                  <a:srgbClr val="FFFFFF"/>
-                </a:solidFill>
-                <a:latin typeface="Arial" pitchFamily="34" charset="0"/>
-                <a:ea typeface="Arial" pitchFamily="34" charset="-122"/>
-                <a:cs typeface="Arial" pitchFamily="34" charset="-120"/>
-              </a:rPr>
-              <a:t>3. Registre a cada 2h como se sente</a:t>
-            </a:r>
-            <a:endParaRPr lang="en-US" sz="1400" dirty="0"/>
-          </a:p>
-          <a:p>
-            <a:pPr indent="0" marL="0">
-              <a:buNone/>
-            </a:pPr>
-            <a:r>
-              <a:rPr lang="en-US" sz="1400" dirty="0">
-                <a:solidFill>
-                  <a:srgbClr val="FFFFFF"/>
-                </a:solidFill>
-                <a:latin typeface="Arial" pitchFamily="34" charset="0"/>
-                <a:ea typeface="Arial" pitchFamily="34" charset="-122"/>
-                <a:cs typeface="Arial" pitchFamily="34" charset="-120"/>
-              </a:rPr>
-              <a:t>4. Anote quantas vezes quis pegar o celular</a:t>
-            </a:r>
-            <a:endParaRPr lang="en-US" sz="1400" dirty="0"/>
-          </a:p>
-          <a:p>
-            <a:pPr indent="0" marL="0">
-              <a:buNone/>
-            </a:pPr>
-            <a:r>
-              <a:rPr lang="en-US" sz="1400" dirty="0">
-                <a:solidFill>
-                  <a:srgbClr val="FFFFFF"/>
-                </a:solidFill>
-                <a:latin typeface="Arial" pitchFamily="34" charset="0"/>
-                <a:ea typeface="Arial" pitchFamily="34" charset="-122"/>
-                <a:cs typeface="Arial" pitchFamily="34" charset="-120"/>
-              </a:rPr>
-              <a:t>5. Reflexão: como foi estudar sem distrações?</a:t>
-            </a:r>
-            <a:endParaRPr lang="en-US" sz="1400" dirty="0"/>
-          </a:p>
-        </p:txBody>
-      </p:sp>
-      <p:sp>
-        <p:nvSpPr>
-          <p:cNvPr id="9" name="Shape 7"/>
-          <p:cNvSpPr/>
-          <p:nvPr/>
-        </p:nvSpPr>
-        <p:spPr>
-          <a:xfrm>
-            <a:off x="457200" y="3749040"/>
-            <a:ext cx="8229600" cy="640080"/>
-          </a:xfrm>
-          <a:prstGeom prst="roundRect">
-            <a:avLst/>
-          </a:prstGeom>
-          <a:solidFill>
-            <a:srgbClr val="1E3A5F"/>
-          </a:solidFill>
-          <a:ln w="12700">
-            <a:solidFill>
-              <a:srgbClr val="667EEA"/>
-            </a:solidFill>
-            <a:prstDash val="solid"/>
-          </a:ln>
-        </p:spPr>
-      </p:sp>
-      <p:sp>
-        <p:nvSpPr>
-          <p:cNvPr id="10" name="Text 8"/>
-          <p:cNvSpPr/>
-          <p:nvPr/>
-        </p:nvSpPr>
-        <p:spPr>
-          <a:xfrm>
-            <a:off x="457200" y="3886200"/>
-            <a:ext cx="8229600" cy="365760"/>
-          </a:xfrm>
-          <a:prstGeom prst="rect">
-            <a:avLst/>
-          </a:prstGeom>
-          <a:noFill/>
-          <a:ln/>
-        </p:spPr>
-        <p:txBody>
-          <a:bodyPr wrap="square" rtlCol="0" anchor="ctr"/>
-          <a:lstStyle/>
-          <a:p>
-            <a:pPr algn="ctr" indent="0" marL="0">
-              <a:buNone/>
-            </a:pPr>
-            <a:r>
-              <a:rPr lang="en-US" sz="1300" dirty="0">
-                <a:solidFill>
-                  <a:srgbClr val="FFFFFF"/>
-                </a:solidFill>
-                <a:latin typeface="Arial" pitchFamily="34" charset="0"/>
-                <a:ea typeface="Arial" pitchFamily="34" charset="-122"/>
-                <a:cs typeface="Arial" pitchFamily="34" charset="-120"/>
-              </a:rPr>
-              <a:t>📤 Envie na área de atividades do Moodle</a:t>
-            </a:r>
-            <a:endParaRPr lang="en-US" sz="1300" dirty="0"/>
+              <a:t>Estratégias: reduzir, tornar atrativo, criar rituais</a:t>
+            </a:r>
+            <a:endParaRPr lang="en-US" sz="1000" dirty="0"/>
           </a:p>
         </p:txBody>
       </p:sp>
       <p:pic>
         <p:nvPicPr>
-          <p:cNvPr id="11" name="Image 0" descr="preencoded.png">    </p:cNvPr>
+          <p:cNvPr id="15" name="Image 1" descr="preencoded.png">    </p:cNvPr>
           <p:cNvPicPr>
             <a:picLocks noChangeAspect="1"/>
           </p:cNvPicPr>
           <p:nvPr/>
         </p:nvPicPr>
         <p:blipFill>
-          <a:blip r:embed="rId1"/>
+          <a:blip r:embed="rId2"/>
           <a:stretch>
             <a:fillRect/>
           </a:stretch>
@@ -6159,7 +6778,7 @@
                 <a:ea typeface="Arial" pitchFamily="34" charset="-122"/>
                 <a:cs typeface="Arial" pitchFamily="34" charset="-120"/>
               </a:rPr>
-              <a:t>Aula 04 - Encerramento</a:t>
+              <a:t>📝 Atividade Prática</a:t>
             </a:r>
             <a:endParaRPr lang="en-US" sz="2000" dirty="0"/>
           </a:p>
@@ -6173,16 +6792,21 @@
         </p:nvSpPr>
         <p:spPr>
           <a:xfrm>
-            <a:off x="0" y="822960"/>
-            <a:ext cx="2743200" cy="91440"/>
-          </a:xfrm>
-          <a:prstGeom prst="rect">
-            <a:avLst/>
-          </a:prstGeom>
-          <a:solidFill>
-            <a:srgbClr val="667EEA"/>
-          </a:solidFill>
-          <a:ln/>
+            <a:off x="457200" y="1005840"/>
+            <a:ext cx="8229600" cy="2560320"/>
+          </a:xfrm>
+          <a:prstGeom prst="roundRect">
+            <a:avLst/>
+          </a:prstGeom>
+          <a:solidFill>
+            <a:srgbClr val="2A2A4A"/>
+          </a:solidFill>
+          <a:ln w="38100">
+            <a:solidFill>
+              <a:srgbClr val="22C55E"/>
+            </a:solidFill>
+            <a:prstDash val="solid"/>
+          </a:ln>
         </p:spPr>
       </p:sp>
       <p:sp>
@@ -6193,10 +6817,10 @@
         </p:nvSpPr>
         <p:spPr>
           <a:xfrm>
-            <a:off x="3200400" y="822960"/>
-            <a:ext cx="2743200" cy="91440"/>
-          </a:xfrm>
-          <a:prstGeom prst="rect">
+            <a:off x="731520" y="1280160"/>
+            <a:ext cx="731520" cy="731520"/>
+          </a:xfrm>
+          <a:prstGeom prst="ellipse">
             <a:avLst/>
           </a:prstGeom>
           <a:solidFill>
@@ -6207,42 +6831,139 @@
       </p:sp>
       <p:sp>
         <p:nvSpPr>
-          <p:cNvPr id="6" name="Shape 4"/>
-          <p:cNvSpPr/>
-          <p:nvPr/>
-        </p:nvSpPr>
-        <p:spPr>
-          <a:xfrm>
-            <a:off x="6400800" y="822960"/>
-            <a:ext cx="2743200" cy="91440"/>
-          </a:xfrm>
-          <a:prstGeom prst="rect">
-            <a:avLst/>
-          </a:prstGeom>
-          <a:solidFill>
-            <a:srgbClr val="3B82F6"/>
-          </a:solidFill>
-          <a:ln/>
-        </p:spPr>
-      </p:sp>
-      <p:sp>
-        <p:nvSpPr>
-          <p:cNvPr id="7" name="Shape 5"/>
-          <p:cNvSpPr/>
-          <p:nvPr/>
-        </p:nvSpPr>
-        <p:spPr>
-          <a:xfrm>
-            <a:off x="914400" y="1371600"/>
-            <a:ext cx="7315200" cy="1828800"/>
+          <p:cNvPr id="6" name="Text 4"/>
+          <p:cNvSpPr/>
+          <p:nvPr/>
+        </p:nvSpPr>
+        <p:spPr>
+          <a:xfrm>
+            <a:off x="731520" y="1371600"/>
+            <a:ext cx="731520" cy="548640"/>
+          </a:xfrm>
+          <a:prstGeom prst="rect">
+            <a:avLst/>
+          </a:prstGeom>
+          <a:noFill/>
+          <a:ln/>
+        </p:spPr>
+        <p:txBody>
+          <a:bodyPr wrap="square" rtlCol="0" anchor="ctr"/>
+          <a:lstStyle/>
+          <a:p>
+            <a:pPr algn="ctr" indent="0" marL="0">
+              <a:buNone/>
+            </a:pPr>
+            <a:r>
+              <a:rPr lang="en-US" sz="2800" b="1" dirty="0">
+                <a:solidFill>
+                  <a:srgbClr val="FFFFFF"/>
+                </a:solidFill>
+                <a:latin typeface="Arial" pitchFamily="34" charset="0"/>
+                <a:ea typeface="Arial" pitchFamily="34" charset="-122"/>
+                <a:cs typeface="Arial" pitchFamily="34" charset="-120"/>
+              </a:rPr>
+              <a:t>!</a:t>
+            </a:r>
+            <a:endParaRPr lang="en-US" sz="2800" dirty="0"/>
+          </a:p>
+        </p:txBody>
+      </p:sp>
+      <p:sp>
+        <p:nvSpPr>
+          <p:cNvPr id="7" name="Text 5"/>
+          <p:cNvSpPr/>
+          <p:nvPr/>
+        </p:nvSpPr>
+        <p:spPr>
+          <a:xfrm>
+            <a:off x="1645920" y="1280160"/>
+            <a:ext cx="6858000" cy="457200"/>
+          </a:xfrm>
+          <a:prstGeom prst="rect">
+            <a:avLst/>
+          </a:prstGeom>
+          <a:noFill/>
+          <a:ln/>
+        </p:spPr>
+        <p:txBody>
+          <a:bodyPr wrap="square" rtlCol="0" anchor="ctr"/>
+          <a:lstStyle/>
+          <a:p>
+            <a:pPr indent="0" marL="0">
+              <a:buNone/>
+            </a:pPr>
+            <a:r>
+              <a:rPr lang="en-US" sz="1600" b="1" dirty="0">
+                <a:solidFill>
+                  <a:srgbClr val="22C55E"/>
+                </a:solidFill>
+                <a:latin typeface="Arial" pitchFamily="34" charset="0"/>
+                <a:ea typeface="Arial" pitchFamily="34" charset="-122"/>
+                <a:cs typeface="Arial" pitchFamily="34" charset="-120"/>
+              </a:rPr>
+              <a:t>Sua Missão:</a:t>
+            </a:r>
+            <a:endParaRPr lang="en-US" sz="1600" dirty="0"/>
+          </a:p>
+        </p:txBody>
+      </p:sp>
+      <p:sp>
+        <p:nvSpPr>
+          <p:cNvPr id="8" name="Text 6"/>
+          <p:cNvSpPr/>
+          <p:nvPr/>
+        </p:nvSpPr>
+        <p:spPr>
+          <a:xfrm>
+            <a:off x="1645920" y="1737360"/>
+            <a:ext cx="6766560" cy="1645920"/>
+          </a:xfrm>
+          <a:prstGeom prst="rect">
+            <a:avLst/>
+          </a:prstGeom>
+          <a:noFill/>
+          <a:ln/>
+        </p:spPr>
+        <p:txBody>
+          <a:bodyPr wrap="square" rtlCol="0" anchor="t"/>
+          <a:lstStyle/>
+          <a:p>
+            <a:pPr indent="0" marL="0">
+              <a:buNone/>
+            </a:pPr>
+            <a:r>
+              <a:rPr lang="en-US" sz="1400" dirty="0">
+                <a:solidFill>
+                  <a:srgbClr val="FFFFFF"/>
+                </a:solidFill>
+                <a:latin typeface="Arial" pitchFamily="34" charset="0"/>
+                <a:ea typeface="Arial" pitchFamily="34" charset="-122"/>
+                <a:cs typeface="Arial" pitchFamily="34" charset="-120"/>
+              </a:rPr>
+              <a:t>&gt; **Uma experiência transformadora de 24 horas!**</a:t>
+            </a:r>
+            <a:endParaRPr lang="en-US" sz="1400" dirty="0"/>
+          </a:p>
+        </p:txBody>
+      </p:sp>
+      <p:sp>
+        <p:nvSpPr>
+          <p:cNvPr id="9" name="Shape 7"/>
+          <p:cNvSpPr/>
+          <p:nvPr/>
+        </p:nvSpPr>
+        <p:spPr>
+          <a:xfrm>
+            <a:off x="457200" y="3749040"/>
+            <a:ext cx="8229600" cy="640080"/>
           </a:xfrm>
           <a:prstGeom prst="roundRect">
             <a:avLst/>
           </a:prstGeom>
           <a:solidFill>
-            <a:srgbClr val="2A2A4A"/>
-          </a:solidFill>
-          <a:ln w="25400">
+            <a:srgbClr val="1E3A5F"/>
+          </a:solidFill>
+          <a:ln w="12700">
             <a:solidFill>
               <a:srgbClr val="667EEA"/>
             </a:solidFill>
@@ -6252,14 +6973,14 @@
       </p:sp>
       <p:sp>
         <p:nvSpPr>
-          <p:cNvPr id="8" name="Text 6"/>
-          <p:cNvSpPr/>
-          <p:nvPr/>
-        </p:nvSpPr>
-        <p:spPr>
-          <a:xfrm>
-            <a:off x="1097280" y="1371600"/>
-            <a:ext cx="457200" cy="731520"/>
+          <p:cNvPr id="10" name="Text 8"/>
+          <p:cNvSpPr/>
+          <p:nvPr/>
+        </p:nvSpPr>
+        <p:spPr>
+          <a:xfrm>
+            <a:off x="457200" y="3886200"/>
+            <a:ext cx="8229600" cy="365760"/>
           </a:xfrm>
           <a:prstGeom prst="rect">
             <a:avLst/>
@@ -6271,50 +6992,11 @@
           <a:bodyPr wrap="square" rtlCol="0" anchor="ctr"/>
           <a:lstStyle/>
           <a:p>
-            <a:pPr indent="0" marL="0">
-              <a:buNone/>
-            </a:pPr>
-            <a:r>
-              <a:rPr lang="en-US" sz="4800" i="1" dirty="0">
-                <a:solidFill>
-                  <a:srgbClr val="667EEA"/>
-                </a:solidFill>
-                <a:latin typeface="Georgia" pitchFamily="34" charset="0"/>
-                <a:ea typeface="Georgia" pitchFamily="34" charset="-122"/>
-                <a:cs typeface="Georgia" pitchFamily="34" charset="-120"/>
-              </a:rPr>
-              <a:t>"</a:t>
-            </a:r>
-            <a:endParaRPr lang="en-US" sz="4800" dirty="0"/>
-          </a:p>
-        </p:txBody>
-      </p:sp>
-      <p:sp>
-        <p:nvSpPr>
-          <p:cNvPr id="9" name="Text 7"/>
-          <p:cNvSpPr/>
-          <p:nvPr/>
-        </p:nvSpPr>
-        <p:spPr>
-          <a:xfrm>
-            <a:off x="1371600" y="1737360"/>
-            <a:ext cx="6400800" cy="1097280"/>
-          </a:xfrm>
-          <a:prstGeom prst="rect">
-            <a:avLst/>
-          </a:prstGeom>
-          <a:noFill/>
-          <a:ln/>
-        </p:spPr>
-        <p:txBody>
-          <a:bodyPr wrap="square" rtlCol="0" anchor="ctr"/>
-          <a:lstStyle/>
-          <a:p>
             <a:pPr algn="ctr" indent="0" marL="0">
               <a:buNone/>
             </a:pPr>
             <a:r>
-              <a:rPr lang="en-US" sz="1600" i="1" dirty="0">
+              <a:rPr lang="en-US" sz="1300" dirty="0">
                 <a:solidFill>
                   <a:srgbClr val="FFFFFF"/>
                 </a:solidFill>
@@ -6322,113 +7004,15 @@
                 <a:ea typeface="Arial" pitchFamily="34" charset="-122"/>
                 <a:cs typeface="Arial" pitchFamily="34" charset="-120"/>
               </a:rPr>
-              <a:t>Você não é viciado em celular. Você é humano. A diferença está em escolher conscientemente quais estímulos permitir.</a:t>
-            </a:r>
-            <a:endParaRPr lang="en-US" sz="1600" dirty="0"/>
-          </a:p>
-        </p:txBody>
-      </p:sp>
-      <p:sp>
-        <p:nvSpPr>
-          <p:cNvPr id="10" name="Shape 8"/>
-          <p:cNvSpPr/>
-          <p:nvPr/>
-        </p:nvSpPr>
-        <p:spPr>
-          <a:xfrm>
-            <a:off x="0" y="3840480"/>
-            <a:ext cx="9144000" cy="822960"/>
-          </a:xfrm>
-          <a:prstGeom prst="rect">
-            <a:avLst/>
-          </a:prstGeom>
-          <a:solidFill>
-            <a:srgbClr val="0F172A"/>
-          </a:solidFill>
-          <a:ln/>
-        </p:spPr>
-      </p:sp>
-      <p:sp>
-        <p:nvSpPr>
-          <p:cNvPr id="11" name="Text 9"/>
-          <p:cNvSpPr/>
-          <p:nvPr/>
-        </p:nvSpPr>
-        <p:spPr>
-          <a:xfrm>
-            <a:off x="457200" y="3977640"/>
-            <a:ext cx="3657600" cy="274320"/>
-          </a:xfrm>
-          <a:prstGeom prst="rect">
-            <a:avLst/>
-          </a:prstGeom>
-          <a:noFill/>
-          <a:ln/>
-        </p:spPr>
-        <p:txBody>
-          <a:bodyPr wrap="square" rtlCol="0" anchor="ctr"/>
-          <a:lstStyle/>
-          <a:p>
-            <a:pPr indent="0" marL="0">
-              <a:buNone/>
-            </a:pPr>
-            <a:r>
-              <a:rPr lang="en-US" sz="1400" b="1" dirty="0">
-                <a:solidFill>
-                  <a:srgbClr val="22C55E"/>
-                </a:solidFill>
-                <a:latin typeface="Arial" pitchFamily="34" charset="0"/>
-                <a:ea typeface="Arial" pitchFamily="34" charset="-122"/>
-                <a:cs typeface="Arial" pitchFamily="34" charset="-120"/>
-              </a:rPr>
-              <a:t>Educa com Talento</a:t>
-            </a:r>
-            <a:endParaRPr lang="en-US" sz="1400" dirty="0"/>
-          </a:p>
-        </p:txBody>
-      </p:sp>
-      <p:sp>
-        <p:nvSpPr>
-          <p:cNvPr id="12" name="Text 10"/>
-          <p:cNvSpPr/>
-          <p:nvPr/>
-        </p:nvSpPr>
-        <p:spPr>
-          <a:xfrm>
-            <a:off x="457200" y="4251960"/>
-            <a:ext cx="3657600" cy="228600"/>
-          </a:xfrm>
-          <a:prstGeom prst="rect">
-            <a:avLst/>
-          </a:prstGeom>
-          <a:noFill/>
-          <a:ln/>
-        </p:spPr>
-        <p:txBody>
-          <a:bodyPr wrap="square" rtlCol="0" anchor="ctr"/>
-          <a:lstStyle/>
-          <a:p>
-            <a:pPr indent="0" marL="0">
-              <a:buNone/>
-            </a:pPr>
-            <a:r>
-              <a:rPr lang="en-US" sz="1000" dirty="0">
-                <a:solidFill>
-                  <a:srgbClr val="667EEA"/>
-                </a:solidFill>
-                <a:latin typeface="Arial" pitchFamily="34" charset="0"/>
-                <a:ea typeface="Arial" pitchFamily="34" charset="-122"/>
-                <a:cs typeface="Arial" pitchFamily="34" charset="-120"/>
-              </a:rPr>
-              <a:t>www.educacomtalento.com.br</a:t>
-            </a:r>
-            <a:endParaRPr lang="en-US" sz="1000" dirty="0"/>
+              <a:t>📤 Envie na área de atividades do Moodle</a:t>
+            </a:r>
+            <a:endParaRPr lang="en-US" sz="1300" dirty="0"/>
           </a:p>
         </p:txBody>
       </p:sp>
       <p:pic>
         <p:nvPicPr>
-          <p:cNvPr id="13" name="Image 0" descr="preencoded.png">    </p:cNvPr>
+          <p:cNvPr id="12" name="Image 0" descr="preencoded.png">    </p:cNvPr>
           <p:cNvPicPr>
             <a:picLocks noChangeAspect="1"/>
           </p:cNvPicPr>
@@ -6442,8 +7026,8 @@
         </p:blipFill>
         <p:spPr>
           <a:xfrm>
-            <a:off x="6400800" y="3886200"/>
-            <a:ext cx="2286000" cy="914400"/>
+            <a:off x="7498080" y="4389120"/>
+            <a:ext cx="1371600" cy="548640"/>
           </a:xfrm>
           <a:prstGeom prst="rect">
             <a:avLst/>
